--- a/课程ppt/WP SDK开发指南1.pptx
+++ b/课程ppt/WP SDK开发指南1.pptx
@@ -5,7 +5,7 @@
     <p:sldMasterId id="2147483648" r:id="rId1"/>
   </p:sldMasterIdLst>
   <p:notesMasterIdLst>
-    <p:notesMasterId r:id="rId18"/>
+    <p:notesMasterId r:id="rId23"/>
   </p:notesMasterIdLst>
   <p:sldIdLst>
     <p:sldId id="256" r:id="rId2"/>
@@ -16,14 +16,19 @@
     <p:sldId id="335" r:id="rId7"/>
     <p:sldId id="332" r:id="rId8"/>
     <p:sldId id="334" r:id="rId9"/>
-    <p:sldId id="336" r:id="rId10"/>
-    <p:sldId id="337" r:id="rId11"/>
-    <p:sldId id="290" r:id="rId12"/>
-    <p:sldId id="338" r:id="rId13"/>
-    <p:sldId id="294" r:id="rId14"/>
-    <p:sldId id="341" r:id="rId15"/>
-    <p:sldId id="339" r:id="rId16"/>
-    <p:sldId id="259" r:id="rId17"/>
+    <p:sldId id="348" r:id="rId10"/>
+    <p:sldId id="336" r:id="rId11"/>
+    <p:sldId id="342" r:id="rId12"/>
+    <p:sldId id="337" r:id="rId13"/>
+    <p:sldId id="345" r:id="rId14"/>
+    <p:sldId id="290" r:id="rId15"/>
+    <p:sldId id="346" r:id="rId16"/>
+    <p:sldId id="338" r:id="rId17"/>
+    <p:sldId id="294" r:id="rId18"/>
+    <p:sldId id="347" r:id="rId19"/>
+    <p:sldId id="341" r:id="rId20"/>
+    <p:sldId id="339" r:id="rId21"/>
+    <p:sldId id="259" r:id="rId22"/>
   </p:sldIdLst>
   <p:sldSz cx="9144000" cy="6858000" type="screen4x3"/>
   <p:notesSz cx="6858000" cy="9144000"/>
@@ -262,7 +267,7 @@
               <a:pPr>
                 <a:defRPr/>
               </a:pPr>
-              <a:t>2014/10/28</a:t>
+              <a:t>2014/10/30</a:t>
             </a:fld>
             <a:endParaRPr lang="zh-CN" altLang="en-US"/>
           </a:p>
@@ -613,10 +618,6 @@
           <a:bodyPr/>
           <a:lstStyle/>
           <a:p>
-            <a:r>
-              <a:rPr lang="zh-CN" altLang="en-US" dirty="0" smtClean="0"/>
-              <a:t>寒暄一下，吐槽下人数为何如此众多</a:t>
-            </a:r>
             <a:endParaRPr lang="zh-CN" altLang="en-US" dirty="0"/>
           </a:p>
         </p:txBody>
@@ -757,15 +758,15 @@
               </a:spcBef>
             </a:pPr>
             <a:r>
-              <a:rPr lang="zh-CN" altLang="en-US" smtClean="0"/>
+              <a:rPr lang="zh-CN" altLang="en-US" dirty="0" smtClean="0"/>
               <a:t>基于位置的服务，是指通过电信移动运营商的无线电通讯网络或外部定位方式，获取移动终端用户的位置信息，在</a:t>
             </a:r>
             <a:r>
-              <a:rPr lang="en-US" altLang="zh-CN" smtClean="0"/>
+              <a:rPr lang="en-US" altLang="zh-CN" dirty="0" smtClean="0"/>
               <a:t>GIS</a:t>
             </a:r>
             <a:r>
-              <a:rPr lang="zh-CN" altLang="en-US" smtClean="0"/>
+              <a:rPr lang="zh-CN" altLang="en-US" dirty="0" smtClean="0"/>
               <a:t>平台的支持下，为用户提供相应服务的一种增值业务。</a:t>
             </a:r>
           </a:p>
@@ -775,7 +776,7 @@
                 <a:spcPct val="0"/>
               </a:spcBef>
             </a:pPr>
-            <a:endParaRPr lang="zh-CN" altLang="en-US" smtClean="0"/>
+            <a:endParaRPr lang="zh-CN" altLang="en-US" dirty="0" smtClean="0"/>
           </a:p>
         </p:txBody>
       </p:sp>
@@ -1594,7 +1595,7 @@
               <a:pPr>
                 <a:defRPr/>
               </a:pPr>
-              <a:t>10</a:t>
+              <a:t>12</a:t>
             </a:fld>
             <a:endParaRPr lang="zh-CN" altLang="en-US"/>
           </a:p>
@@ -1704,7 +1705,7 @@
               <a:pPr>
                 <a:defRPr/>
               </a:pPr>
-              <a:t>11</a:t>
+              <a:t>14</a:t>
             </a:fld>
             <a:endParaRPr lang="zh-CN" altLang="en-US"/>
           </a:p>
@@ -1888,7 +1889,7 @@
               <a:pPr>
                 <a:defRPr/>
               </a:pPr>
-              <a:t>12</a:t>
+              <a:t>16</a:t>
             </a:fld>
             <a:endParaRPr lang="zh-CN" altLang="en-US"/>
           </a:p>
@@ -1982,7 +1983,7 @@
               <a:pPr>
                 <a:defRPr/>
               </a:pPr>
-              <a:t>13</a:t>
+              <a:t>17</a:t>
             </a:fld>
             <a:endParaRPr lang="zh-CN" altLang="en-US"/>
           </a:p>
@@ -2142,7 +2143,7 @@
               <a:pPr>
                 <a:defRPr/>
               </a:pPr>
-              <a:t>2014/10/28</a:t>
+              <a:t>2014/10/30</a:t>
             </a:fld>
             <a:endParaRPr lang="zh-CN" altLang="en-US"/>
           </a:p>
@@ -2441,7 +2442,7 @@
               <a:pPr>
                 <a:defRPr/>
               </a:pPr>
-              <a:t>2014/10/28</a:t>
+              <a:t>2014/10/30</a:t>
             </a:fld>
             <a:endParaRPr lang="zh-CN" altLang="en-US"/>
           </a:p>
@@ -2737,7 +2738,7 @@
               <a:pPr>
                 <a:defRPr/>
               </a:pPr>
-              <a:t>2014/10/28</a:t>
+              <a:t>2014/10/30</a:t>
             </a:fld>
             <a:endParaRPr lang="zh-CN" altLang="en-US"/>
           </a:p>
@@ -2949,7 +2950,7 @@
               <a:pPr>
                 <a:defRPr/>
               </a:pPr>
-              <a:t>2014/10/28</a:t>
+              <a:t>2014/10/30</a:t>
             </a:fld>
             <a:endParaRPr lang="zh-CN" altLang="en-US"/>
           </a:p>
@@ -3242,7 +3243,7 @@
               <a:pPr>
                 <a:defRPr/>
               </a:pPr>
-              <a:t>2014/10/28</a:t>
+              <a:t>2014/10/30</a:t>
             </a:fld>
             <a:endParaRPr lang="zh-CN" altLang="en-US"/>
           </a:p>
@@ -3793,6 +3794,54 @@
           </a:p>
         </p:txBody>
       </p:sp>
+      <p:sp>
+        <p:nvSpPr>
+          <p:cNvPr id="2" name="文本框 1"/>
+          <p:cNvSpPr txBox="1"/>
+          <p:nvPr/>
+        </p:nvSpPr>
+        <p:spPr>
+          <a:xfrm>
+            <a:off x="2465766" y="5075312"/>
+            <a:ext cx="4212468" cy="954107"/>
+          </a:xfrm>
+          <a:prstGeom prst="rect">
+            <a:avLst/>
+          </a:prstGeom>
+          <a:noFill/>
+        </p:spPr>
+        <p:txBody>
+          <a:bodyPr wrap="square" rtlCol="0" anchor="ctr">
+            <a:spAutoFit/>
+          </a:bodyPr>
+          <a:lstStyle/>
+          <a:p>
+            <a:r>
+              <a:rPr lang="zh-CN" altLang="en-US" sz="2800" dirty="0">
+                <a:solidFill>
+                  <a:schemeClr val="accent1"/>
+                </a:solidFill>
+                <a:latin typeface="微软雅黑" panose="020B0503020204020204" pitchFamily="34" charset="-122"/>
+                <a:ea typeface="微软雅黑" panose="020B0503020204020204" pitchFamily="34" charset="-122"/>
+              </a:rPr>
+              <a:t>开发你的第一个地图应用</a:t>
+            </a:r>
+            <a:endParaRPr lang="zh-CN" altLang="zh-CN" sz="2800" dirty="0">
+              <a:solidFill>
+                <a:schemeClr val="accent1"/>
+              </a:solidFill>
+              <a:latin typeface="微软雅黑" panose="020B0503020204020204" pitchFamily="34" charset="-122"/>
+              <a:ea typeface="微软雅黑" panose="020B0503020204020204" pitchFamily="34" charset="-122"/>
+            </a:endParaRPr>
+          </a:p>
+          <a:p>
+            <a:endParaRPr lang="zh-CN" altLang="en-US" sz="2800" dirty="0">
+              <a:latin typeface="微软雅黑" panose="020B0503020204020204" pitchFamily="34" charset="-122"/>
+              <a:ea typeface="微软雅黑" panose="020B0503020204020204" pitchFamily="34" charset="-122"/>
+            </a:endParaRPr>
+          </a:p>
+        </p:txBody>
+      </p:sp>
     </p:spTree>
   </p:cSld>
   <p:clrMapOvr>
@@ -3809,6 +3858,411 @@
 </file>
 
 <file path=ppt/slides/slide10.xml><?xml version="1.0" encoding="utf-8"?>
+<p:sld xmlns:a="http://schemas.openxmlformats.org/drawingml/2006/main" xmlns:r="http://schemas.openxmlformats.org/officeDocument/2006/relationships" xmlns:p="http://schemas.openxmlformats.org/presentationml/2006/main">
+  <p:cSld>
+    <p:spTree>
+      <p:nvGrpSpPr>
+        <p:cNvPr id="1" name=""/>
+        <p:cNvGrpSpPr/>
+        <p:nvPr/>
+      </p:nvGrpSpPr>
+      <p:grpSpPr>
+        <a:xfrm>
+          <a:off x="0" y="0"/>
+          <a:ext cx="0" cy="0"/>
+          <a:chOff x="0" y="0"/>
+          <a:chExt cx="0" cy="0"/>
+        </a:xfrm>
+      </p:grpSpPr>
+      <p:sp>
+        <p:nvSpPr>
+          <p:cNvPr id="18434" name="标题 2"/>
+          <p:cNvSpPr>
+            <a:spLocks noGrp="1"/>
+          </p:cNvSpPr>
+          <p:nvPr>
+            <p:ph type="title"/>
+          </p:nvPr>
+        </p:nvSpPr>
+        <p:spPr>
+          <a:xfrm>
+            <a:off x="755650" y="333375"/>
+            <a:ext cx="7848600" cy="431800"/>
+          </a:xfrm>
+        </p:spPr>
+        <p:txBody>
+          <a:bodyPr/>
+          <a:lstStyle/>
+          <a:p>
+            <a:r>
+              <a:rPr lang="zh-CN" altLang="en-US" dirty="0" smtClean="0"/>
+              <a:t>开发你的第一个地图应用</a:t>
+            </a:r>
+          </a:p>
+        </p:txBody>
+      </p:sp>
+      <p:sp>
+        <p:nvSpPr>
+          <p:cNvPr id="18435" name="矩形 3"/>
+          <p:cNvSpPr>
+            <a:spLocks noChangeArrowheads="1"/>
+          </p:cNvSpPr>
+          <p:nvPr/>
+        </p:nvSpPr>
+        <p:spPr bwMode="auto">
+          <a:xfrm>
+            <a:off x="539750" y="1341438"/>
+            <a:ext cx="4824413" cy="3813223"/>
+          </a:xfrm>
+          <a:prstGeom prst="rect">
+            <a:avLst/>
+          </a:prstGeom>
+          <a:noFill/>
+          <a:ln>
+            <a:noFill/>
+          </a:ln>
+          <a:extLst>
+            <a:ext uri="{909E8E84-426E-40DD-AFC4-6F175D3DCCD1}">
+              <a14:hiddenFill xmlns:a14="http://schemas.microsoft.com/office/drawing/2010/main">
+                <a:solidFill>
+                  <a:srgbClr val="FFFFFF"/>
+                </a:solidFill>
+              </a14:hiddenFill>
+            </a:ext>
+            <a:ext uri="{91240B29-F687-4F45-9708-019B960494DF}">
+              <a14:hiddenLine xmlns:a14="http://schemas.microsoft.com/office/drawing/2010/main" w="9525">
+                <a:solidFill>
+                  <a:srgbClr val="000000"/>
+                </a:solidFill>
+                <a:miter lim="800000"/>
+                <a:headEnd/>
+                <a:tailEnd/>
+              </a14:hiddenLine>
+            </a:ext>
+          </a:extLst>
+        </p:spPr>
+        <p:txBody>
+          <a:bodyPr>
+            <a:spAutoFit/>
+          </a:bodyPr>
+          <a:lstStyle>
+            <a:lvl1pPr marL="342900" indent="-342900">
+              <a:spcBef>
+                <a:spcPct val="20000"/>
+              </a:spcBef>
+              <a:buFont typeface="Wingdings" panose="05000000000000000000" pitchFamily="2" charset="2"/>
+              <a:buChar char="Ø"/>
+              <a:defRPr sz="3200">
+                <a:solidFill>
+                  <a:schemeClr val="tx1"/>
+                </a:solidFill>
+                <a:latin typeface="微软雅黑" panose="020B0503020204020204" pitchFamily="34" charset="-122"/>
+                <a:ea typeface="微软雅黑" panose="020B0503020204020204" pitchFamily="34" charset="-122"/>
+              </a:defRPr>
+            </a:lvl1pPr>
+            <a:lvl2pPr marL="801688" indent="-293688">
+              <a:spcBef>
+                <a:spcPct val="20000"/>
+              </a:spcBef>
+              <a:buFont typeface="Wingdings" panose="05000000000000000000" pitchFamily="2" charset="2"/>
+              <a:buChar char="Ø"/>
+              <a:defRPr sz="2800">
+                <a:solidFill>
+                  <a:schemeClr val="tx1"/>
+                </a:solidFill>
+                <a:latin typeface="微软雅黑" panose="020B0503020204020204" pitchFamily="34" charset="-122"/>
+                <a:ea typeface="微软雅黑" panose="020B0503020204020204" pitchFamily="34" charset="-122"/>
+              </a:defRPr>
+            </a:lvl2pPr>
+            <a:lvl3pPr marL="1143000" indent="-228600">
+              <a:spcBef>
+                <a:spcPct val="20000"/>
+              </a:spcBef>
+              <a:buFont typeface="Wingdings" panose="05000000000000000000" pitchFamily="2" charset="2"/>
+              <a:buChar char="Ø"/>
+              <a:defRPr sz="2400">
+                <a:solidFill>
+                  <a:schemeClr val="tx1"/>
+                </a:solidFill>
+                <a:latin typeface="微软雅黑" panose="020B0503020204020204" pitchFamily="34" charset="-122"/>
+                <a:ea typeface="微软雅黑" panose="020B0503020204020204" pitchFamily="34" charset="-122"/>
+              </a:defRPr>
+            </a:lvl3pPr>
+            <a:lvl4pPr marL="1600200" indent="-228600">
+              <a:spcBef>
+                <a:spcPct val="20000"/>
+              </a:spcBef>
+              <a:buFont typeface="Wingdings" panose="05000000000000000000" pitchFamily="2" charset="2"/>
+              <a:buChar char="Ø"/>
+              <a:defRPr sz="2000">
+                <a:solidFill>
+                  <a:schemeClr val="tx1"/>
+                </a:solidFill>
+                <a:latin typeface="微软雅黑" panose="020B0503020204020204" pitchFamily="34" charset="-122"/>
+                <a:ea typeface="微软雅黑" panose="020B0503020204020204" pitchFamily="34" charset="-122"/>
+              </a:defRPr>
+            </a:lvl4pPr>
+            <a:lvl5pPr marL="2057400" indent="-228600">
+              <a:spcBef>
+                <a:spcPct val="20000"/>
+              </a:spcBef>
+              <a:buFont typeface="Wingdings" panose="05000000000000000000" pitchFamily="2" charset="2"/>
+              <a:buChar char="Ø"/>
+              <a:defRPr sz="2000">
+                <a:solidFill>
+                  <a:schemeClr val="tx1"/>
+                </a:solidFill>
+                <a:latin typeface="微软雅黑" panose="020B0503020204020204" pitchFamily="34" charset="-122"/>
+                <a:ea typeface="微软雅黑" panose="020B0503020204020204" pitchFamily="34" charset="-122"/>
+              </a:defRPr>
+            </a:lvl5pPr>
+            <a:lvl6pPr marL="2514600" indent="-228600" eaLnBrk="0" fontAlgn="base" hangingPunct="0">
+              <a:spcBef>
+                <a:spcPct val="20000"/>
+              </a:spcBef>
+              <a:spcAft>
+                <a:spcPct val="0"/>
+              </a:spcAft>
+              <a:buFont typeface="Wingdings" panose="05000000000000000000" pitchFamily="2" charset="2"/>
+              <a:buChar char="Ø"/>
+              <a:defRPr sz="2000">
+                <a:solidFill>
+                  <a:schemeClr val="tx1"/>
+                </a:solidFill>
+                <a:latin typeface="微软雅黑" panose="020B0503020204020204" pitchFamily="34" charset="-122"/>
+                <a:ea typeface="微软雅黑" panose="020B0503020204020204" pitchFamily="34" charset="-122"/>
+              </a:defRPr>
+            </a:lvl6pPr>
+            <a:lvl7pPr marL="2971800" indent="-228600" eaLnBrk="0" fontAlgn="base" hangingPunct="0">
+              <a:spcBef>
+                <a:spcPct val="20000"/>
+              </a:spcBef>
+              <a:spcAft>
+                <a:spcPct val="0"/>
+              </a:spcAft>
+              <a:buFont typeface="Wingdings" panose="05000000000000000000" pitchFamily="2" charset="2"/>
+              <a:buChar char="Ø"/>
+              <a:defRPr sz="2000">
+                <a:solidFill>
+                  <a:schemeClr val="tx1"/>
+                </a:solidFill>
+                <a:latin typeface="微软雅黑" panose="020B0503020204020204" pitchFamily="34" charset="-122"/>
+                <a:ea typeface="微软雅黑" panose="020B0503020204020204" pitchFamily="34" charset="-122"/>
+              </a:defRPr>
+            </a:lvl7pPr>
+            <a:lvl8pPr marL="3429000" indent="-228600" eaLnBrk="0" fontAlgn="base" hangingPunct="0">
+              <a:spcBef>
+                <a:spcPct val="20000"/>
+              </a:spcBef>
+              <a:spcAft>
+                <a:spcPct val="0"/>
+              </a:spcAft>
+              <a:buFont typeface="Wingdings" panose="05000000000000000000" pitchFamily="2" charset="2"/>
+              <a:buChar char="Ø"/>
+              <a:defRPr sz="2000">
+                <a:solidFill>
+                  <a:schemeClr val="tx1"/>
+                </a:solidFill>
+                <a:latin typeface="微软雅黑" panose="020B0503020204020204" pitchFamily="34" charset="-122"/>
+                <a:ea typeface="微软雅黑" panose="020B0503020204020204" pitchFamily="34" charset="-122"/>
+              </a:defRPr>
+            </a:lvl8pPr>
+            <a:lvl9pPr marL="3886200" indent="-228600" eaLnBrk="0" fontAlgn="base" hangingPunct="0">
+              <a:spcBef>
+                <a:spcPct val="20000"/>
+              </a:spcBef>
+              <a:spcAft>
+                <a:spcPct val="0"/>
+              </a:spcAft>
+              <a:buFont typeface="Wingdings" panose="05000000000000000000" pitchFamily="2" charset="2"/>
+              <a:buChar char="Ø"/>
+              <a:defRPr sz="2000">
+                <a:solidFill>
+                  <a:schemeClr val="tx1"/>
+                </a:solidFill>
+                <a:latin typeface="微软雅黑" panose="020B0503020204020204" pitchFamily="34" charset="-122"/>
+                <a:ea typeface="微软雅黑" panose="020B0503020204020204" pitchFamily="34" charset="-122"/>
+              </a:defRPr>
+            </a:lvl9pPr>
+          </a:lstStyle>
+          <a:p>
+            <a:pPr lvl="1" eaLnBrk="1" hangingPunct="1">
+              <a:lnSpc>
+                <a:spcPct val="150000"/>
+              </a:lnSpc>
+              <a:spcBef>
+                <a:spcPts val="500"/>
+              </a:spcBef>
+              <a:buFontTx/>
+              <a:buAutoNum type="arabicPeriod"/>
+            </a:pPr>
+            <a:r>
+              <a:rPr lang="zh-CN" altLang="zh-CN" sz="5400" dirty="0">
+                <a:solidFill>
+                  <a:srgbClr val="404040"/>
+                </a:solidFill>
+                <a:sym typeface="微软雅黑" panose="020B0503020204020204" pitchFamily="34" charset="-122"/>
+              </a:rPr>
+              <a:t>配置工程</a:t>
+            </a:r>
+          </a:p>
+          <a:p>
+            <a:pPr lvl="1" eaLnBrk="1" hangingPunct="1">
+              <a:lnSpc>
+                <a:spcPct val="150000"/>
+              </a:lnSpc>
+              <a:spcBef>
+                <a:spcPts val="500"/>
+              </a:spcBef>
+              <a:buFontTx/>
+              <a:buAutoNum type="arabicPeriod"/>
+            </a:pPr>
+            <a:r>
+              <a:rPr lang="zh-CN" altLang="zh-CN" sz="5400" dirty="0">
+                <a:solidFill>
+                  <a:srgbClr val="404040"/>
+                </a:solidFill>
+                <a:sym typeface="微软雅黑" panose="020B0503020204020204" pitchFamily="34" charset="-122"/>
+              </a:rPr>
+              <a:t>显示地图</a:t>
+            </a:r>
+          </a:p>
+          <a:p>
+            <a:pPr lvl="1" eaLnBrk="1" hangingPunct="1">
+              <a:lnSpc>
+                <a:spcPct val="150000"/>
+              </a:lnSpc>
+              <a:spcBef>
+                <a:spcPts val="500"/>
+              </a:spcBef>
+              <a:buFontTx/>
+              <a:buAutoNum type="arabicPeriod"/>
+            </a:pPr>
+            <a:r>
+              <a:rPr lang="zh-CN" altLang="zh-CN" sz="5400" dirty="0">
+                <a:solidFill>
+                  <a:srgbClr val="404040"/>
+                </a:solidFill>
+                <a:sym typeface="微软雅黑" panose="020B0503020204020204" pitchFamily="34" charset="-122"/>
+              </a:rPr>
+              <a:t>用户</a:t>
+            </a:r>
+            <a:r>
+              <a:rPr lang="zh-CN" altLang="zh-CN" sz="5400" dirty="0" smtClean="0">
+                <a:solidFill>
+                  <a:srgbClr val="404040"/>
+                </a:solidFill>
+                <a:sym typeface="微软雅黑" panose="020B0503020204020204" pitchFamily="34" charset="-122"/>
+              </a:rPr>
+              <a:t>定位</a:t>
+            </a:r>
+            <a:endParaRPr lang="zh-CN" altLang="zh-CN" sz="5400" dirty="0">
+              <a:solidFill>
+                <a:srgbClr val="404040"/>
+              </a:solidFill>
+              <a:sym typeface="微软雅黑" panose="020B0503020204020204" pitchFamily="34" charset="-122"/>
+            </a:endParaRPr>
+          </a:p>
+        </p:txBody>
+      </p:sp>
+    </p:spTree>
+  </p:cSld>
+  <p:clrMapOvr>
+    <a:masterClrMapping/>
+  </p:clrMapOvr>
+  <p:timing>
+    <p:tnLst>
+      <p:par>
+        <p:cTn id="1" dur="indefinite" restart="never" nodeType="tmRoot"/>
+      </p:par>
+    </p:tnLst>
+  </p:timing>
+</p:sld>
+</file>
+
+<file path=ppt/slides/slide11.xml><?xml version="1.0" encoding="utf-8"?>
+<p:sld xmlns:a="http://schemas.openxmlformats.org/drawingml/2006/main" xmlns:r="http://schemas.openxmlformats.org/officeDocument/2006/relationships" xmlns:p="http://schemas.openxmlformats.org/presentationml/2006/main">
+  <p:cSld>
+    <p:spTree>
+      <p:nvGrpSpPr>
+        <p:cNvPr id="1" name=""/>
+        <p:cNvGrpSpPr/>
+        <p:nvPr/>
+      </p:nvGrpSpPr>
+      <p:grpSpPr>
+        <a:xfrm>
+          <a:off x="0" y="0"/>
+          <a:ext cx="0" cy="0"/>
+          <a:chOff x="0" y="0"/>
+          <a:chExt cx="0" cy="0"/>
+        </a:xfrm>
+      </p:grpSpPr>
+      <p:sp>
+        <p:nvSpPr>
+          <p:cNvPr id="5" name="矩形 4"/>
+          <p:cNvSpPr/>
+          <p:nvPr/>
+        </p:nvSpPr>
+        <p:spPr>
+          <a:xfrm>
+            <a:off x="2060430" y="2767281"/>
+            <a:ext cx="5023140" cy="1323439"/>
+          </a:xfrm>
+          <a:prstGeom prst="rect">
+            <a:avLst/>
+          </a:prstGeom>
+          <a:noFill/>
+        </p:spPr>
+        <p:txBody>
+          <a:bodyPr wrap="square" lIns="91440" tIns="45720" rIns="91440" bIns="45720">
+            <a:spAutoFit/>
+          </a:bodyPr>
+          <a:lstStyle/>
+          <a:p>
+            <a:pPr algn="ctr"/>
+            <a:r>
+              <a:rPr lang="zh-CN" altLang="en-US" sz="8000" dirty="0" smtClean="0">
+                <a:ln w="0"/>
+                <a:solidFill>
+                  <a:schemeClr val="accent1"/>
+                </a:solidFill>
+                <a:latin typeface="微软雅黑" panose="020B0503020204020204" pitchFamily="34" charset="-122"/>
+                <a:ea typeface="微软雅黑" panose="020B0503020204020204" pitchFamily="34" charset="-122"/>
+              </a:rPr>
+              <a:t>配置工程</a:t>
+            </a:r>
+            <a:endParaRPr lang="zh-CN" altLang="en-US" sz="8000" dirty="0">
+              <a:ln w="0"/>
+              <a:solidFill>
+                <a:schemeClr val="accent1"/>
+              </a:solidFill>
+              <a:latin typeface="微软雅黑" panose="020B0503020204020204" pitchFamily="34" charset="-122"/>
+              <a:ea typeface="微软雅黑" panose="020B0503020204020204" pitchFamily="34" charset="-122"/>
+            </a:endParaRPr>
+          </a:p>
+        </p:txBody>
+      </p:sp>
+    </p:spTree>
+    <p:extLst>
+      <p:ext uri="{BB962C8B-B14F-4D97-AF65-F5344CB8AC3E}">
+        <p14:creationId xmlns:p14="http://schemas.microsoft.com/office/powerpoint/2010/main" val="3906271079"/>
+      </p:ext>
+    </p:extLst>
+  </p:cSld>
+  <p:clrMapOvr>
+    <a:masterClrMapping/>
+  </p:clrMapOvr>
+  <p:timing>
+    <p:tnLst>
+      <p:par>
+        <p:cTn id="1" dur="indefinite" restart="never" nodeType="tmRoot"/>
+      </p:par>
+    </p:tnLst>
+  </p:timing>
+</p:sld>
+</file>
+
+<file path=ppt/slides/slide12.xml><?xml version="1.0" encoding="utf-8"?>
 <p:sld xmlns:a="http://schemas.openxmlformats.org/drawingml/2006/main" xmlns:r="http://schemas.openxmlformats.org/officeDocument/2006/relationships" xmlns:p="http://schemas.openxmlformats.org/presentationml/2006/main">
   <p:cSld>
     <p:spTree>
@@ -4555,6 +5009,151 @@
   <p:timing>
     <p:tnLst>
       <p:par>
+        <p:cTn id="1" dur="indefinite" restart="never" nodeType="tmRoot">
+          <p:childTnLst>
+            <p:seq concurrent="1" nextAc="seek">
+              <p:cTn id="2" dur="indefinite" nodeType="mainSeq">
+                <p:childTnLst>
+                  <p:par>
+                    <p:cTn id="3" fill="hold">
+                      <p:stCondLst>
+                        <p:cond delay="indefinite"/>
+                      </p:stCondLst>
+                      <p:childTnLst>
+                        <p:par>
+                          <p:cTn id="4" fill="hold">
+                            <p:stCondLst>
+                              <p:cond delay="0"/>
+                            </p:stCondLst>
+                            <p:childTnLst>
+                              <p:par>
+                                <p:cTn id="5" presetID="15" presetClass="emph" presetSubtype="0" nodeType="clickEffect">
+                                  <p:stCondLst>
+                                    <p:cond delay="0"/>
+                                  </p:stCondLst>
+                                  <p:iterate type="lt">
+                                    <p:tmAbs val="25"/>
+                                  </p:iterate>
+                                  <p:childTnLst>
+                                    <p:set>
+                                      <p:cBhvr override="childStyle">
+                                        <p:cTn id="6" dur="indefinite"/>
+                                        <p:tgtEl>
+                                          <p:spTgt spid="19461">
+                                            <p:txEl>
+                                              <p:pRg st="0" end="0"/>
+                                            </p:txEl>
+                                          </p:spTgt>
+                                        </p:tgtEl>
+                                        <p:attrNameLst>
+                                          <p:attrName>style.fontWeight</p:attrName>
+                                        </p:attrNameLst>
+                                      </p:cBhvr>
+                                      <p:to>
+                                        <p:strVal val="bold"/>
+                                      </p:to>
+                                    </p:set>
+                                  </p:childTnLst>
+                                </p:cTn>
+                              </p:par>
+                            </p:childTnLst>
+                          </p:cTn>
+                        </p:par>
+                      </p:childTnLst>
+                    </p:cTn>
+                  </p:par>
+                </p:childTnLst>
+              </p:cTn>
+              <p:prevCondLst>
+                <p:cond evt="onPrev" delay="0">
+                  <p:tgtEl>
+                    <p:sldTgt/>
+                  </p:tgtEl>
+                </p:cond>
+              </p:prevCondLst>
+              <p:nextCondLst>
+                <p:cond evt="onNext" delay="0">
+                  <p:tgtEl>
+                    <p:sldTgt/>
+                  </p:tgtEl>
+                </p:cond>
+              </p:nextCondLst>
+            </p:seq>
+          </p:childTnLst>
+        </p:cTn>
+      </p:par>
+    </p:tnLst>
+  </p:timing>
+</p:sld>
+</file>
+
+<file path=ppt/slides/slide13.xml><?xml version="1.0" encoding="utf-8"?>
+<p:sld xmlns:a="http://schemas.openxmlformats.org/drawingml/2006/main" xmlns:r="http://schemas.openxmlformats.org/officeDocument/2006/relationships" xmlns:p="http://schemas.openxmlformats.org/presentationml/2006/main">
+  <p:cSld>
+    <p:spTree>
+      <p:nvGrpSpPr>
+        <p:cNvPr id="1" name=""/>
+        <p:cNvGrpSpPr/>
+        <p:nvPr/>
+      </p:nvGrpSpPr>
+      <p:grpSpPr>
+        <a:xfrm>
+          <a:off x="0" y="0"/>
+          <a:ext cx="0" cy="0"/>
+          <a:chOff x="0" y="0"/>
+          <a:chExt cx="0" cy="0"/>
+        </a:xfrm>
+      </p:grpSpPr>
+      <p:sp>
+        <p:nvSpPr>
+          <p:cNvPr id="5" name="矩形 4"/>
+          <p:cNvSpPr/>
+          <p:nvPr/>
+        </p:nvSpPr>
+        <p:spPr>
+          <a:xfrm>
+            <a:off x="2060430" y="2767281"/>
+            <a:ext cx="5023140" cy="1323439"/>
+          </a:xfrm>
+          <a:prstGeom prst="rect">
+            <a:avLst/>
+          </a:prstGeom>
+          <a:noFill/>
+        </p:spPr>
+        <p:txBody>
+          <a:bodyPr wrap="square" lIns="91440" tIns="45720" rIns="91440" bIns="45720">
+            <a:spAutoFit/>
+          </a:bodyPr>
+          <a:lstStyle/>
+          <a:p>
+            <a:pPr algn="ctr"/>
+            <a:r>
+              <a:rPr lang="zh-CN" altLang="en-US" sz="8000" dirty="0">
+                <a:ln w="0"/>
+                <a:solidFill>
+                  <a:schemeClr val="accent1"/>
+                </a:solidFill>
+                <a:latin typeface="微软雅黑" panose="020B0503020204020204" pitchFamily="34" charset="-122"/>
+                <a:ea typeface="微软雅黑" panose="020B0503020204020204" pitchFamily="34" charset="-122"/>
+              </a:rPr>
+              <a:t>显示地图</a:t>
+            </a:r>
+          </a:p>
+        </p:txBody>
+      </p:sp>
+    </p:spTree>
+    <p:extLst>
+      <p:ext uri="{BB962C8B-B14F-4D97-AF65-F5344CB8AC3E}">
+        <p14:creationId xmlns:p14="http://schemas.microsoft.com/office/powerpoint/2010/main" val="1709261048"/>
+      </p:ext>
+    </p:extLst>
+  </p:cSld>
+  <p:clrMapOvr>
+    <a:masterClrMapping/>
+  </p:clrMapOvr>
+  <p:timing>
+    <p:tnLst>
+      <p:par>
         <p:cTn id="1" dur="indefinite" restart="never" nodeType="tmRoot"/>
       </p:par>
     </p:tnLst>
@@ -4562,7 +5161,7 @@
 </p:sld>
 </file>
 
-<file path=ppt/slides/slide11.xml><?xml version="1.0" encoding="utf-8"?>
+<file path=ppt/slides/slide14.xml><?xml version="1.0" encoding="utf-8"?>
 <p:sld xmlns:a="http://schemas.openxmlformats.org/drawingml/2006/main" xmlns:r="http://schemas.openxmlformats.org/officeDocument/2006/relationships" xmlns:p="http://schemas.openxmlformats.org/presentationml/2006/main">
   <p:cSld>
     <p:spTree>
@@ -4857,7 +5456,81 @@
 </p:sld>
 </file>
 
-<file path=ppt/slides/slide12.xml><?xml version="1.0" encoding="utf-8"?>
+<file path=ppt/slides/slide15.xml><?xml version="1.0" encoding="utf-8"?>
+<p:sld xmlns:a="http://schemas.openxmlformats.org/drawingml/2006/main" xmlns:r="http://schemas.openxmlformats.org/officeDocument/2006/relationships" xmlns:p="http://schemas.openxmlformats.org/presentationml/2006/main">
+  <p:cSld>
+    <p:spTree>
+      <p:nvGrpSpPr>
+        <p:cNvPr id="1" name=""/>
+        <p:cNvGrpSpPr/>
+        <p:nvPr/>
+      </p:nvGrpSpPr>
+      <p:grpSpPr>
+        <a:xfrm>
+          <a:off x="0" y="0"/>
+          <a:ext cx="0" cy="0"/>
+          <a:chOff x="0" y="0"/>
+          <a:chExt cx="0" cy="0"/>
+        </a:xfrm>
+      </p:grpSpPr>
+      <p:sp>
+        <p:nvSpPr>
+          <p:cNvPr id="5" name="矩形 4"/>
+          <p:cNvSpPr/>
+          <p:nvPr/>
+        </p:nvSpPr>
+        <p:spPr>
+          <a:xfrm>
+            <a:off x="2060430" y="2767281"/>
+            <a:ext cx="5023140" cy="1323439"/>
+          </a:xfrm>
+          <a:prstGeom prst="rect">
+            <a:avLst/>
+          </a:prstGeom>
+          <a:noFill/>
+        </p:spPr>
+        <p:txBody>
+          <a:bodyPr wrap="square" lIns="91440" tIns="45720" rIns="91440" bIns="45720">
+            <a:spAutoFit/>
+          </a:bodyPr>
+          <a:lstStyle/>
+          <a:p>
+            <a:pPr algn="ctr"/>
+            <a:r>
+              <a:rPr lang="zh-CN" altLang="en-US" sz="8000" dirty="0">
+                <a:ln w="0"/>
+                <a:solidFill>
+                  <a:schemeClr val="accent1"/>
+                </a:solidFill>
+                <a:latin typeface="微软雅黑" panose="020B0503020204020204" pitchFamily="34" charset="-122"/>
+                <a:ea typeface="微软雅黑" panose="020B0503020204020204" pitchFamily="34" charset="-122"/>
+              </a:rPr>
+              <a:t>用户定位</a:t>
+            </a:r>
+          </a:p>
+        </p:txBody>
+      </p:sp>
+    </p:spTree>
+    <p:extLst>
+      <p:ext uri="{BB962C8B-B14F-4D97-AF65-F5344CB8AC3E}">
+        <p14:creationId xmlns:p14="http://schemas.microsoft.com/office/powerpoint/2010/main" val="3474480564"/>
+      </p:ext>
+    </p:extLst>
+  </p:cSld>
+  <p:clrMapOvr>
+    <a:masterClrMapping/>
+  </p:clrMapOvr>
+  <p:timing>
+    <p:tnLst>
+      <p:par>
+        <p:cTn id="1" dur="indefinite" restart="never" nodeType="tmRoot"/>
+      </p:par>
+    </p:tnLst>
+  </p:timing>
+</p:sld>
+</file>
+
+<file path=ppt/slides/slide16.xml><?xml version="1.0" encoding="utf-8"?>
 <p:sld xmlns:a="http://schemas.openxmlformats.org/drawingml/2006/main" xmlns:r="http://schemas.openxmlformats.org/officeDocument/2006/relationships" xmlns:p="http://schemas.openxmlformats.org/presentationml/2006/main">
   <p:cSld>
     <p:spTree>
@@ -5514,7 +6187,7 @@
 </p:sld>
 </file>
 
-<file path=ppt/slides/slide13.xml><?xml version="1.0" encoding="utf-8"?>
+<file path=ppt/slides/slide17.xml><?xml version="1.0" encoding="utf-8"?>
 <p:sld xmlns:a="http://schemas.openxmlformats.org/drawingml/2006/main" xmlns:r="http://schemas.openxmlformats.org/officeDocument/2006/relationships" xmlns:p="http://schemas.openxmlformats.org/presentationml/2006/main">
   <p:cSld>
     <p:spTree>
@@ -5646,7 +6319,110 @@
 </p:sld>
 </file>
 
-<file path=ppt/slides/slide14.xml><?xml version="1.0" encoding="utf-8"?>
+<file path=ppt/slides/slide18.xml><?xml version="1.0" encoding="utf-8"?>
+<p:sld xmlns:a="http://schemas.openxmlformats.org/drawingml/2006/main" xmlns:r="http://schemas.openxmlformats.org/officeDocument/2006/relationships" xmlns:p="http://schemas.openxmlformats.org/presentationml/2006/main">
+  <p:cSld>
+    <p:spTree>
+      <p:nvGrpSpPr>
+        <p:cNvPr id="1" name=""/>
+        <p:cNvGrpSpPr/>
+        <p:nvPr/>
+      </p:nvGrpSpPr>
+      <p:grpSpPr>
+        <a:xfrm>
+          <a:off x="0" y="0"/>
+          <a:ext cx="0" cy="0"/>
+          <a:chOff x="0" y="0"/>
+          <a:chExt cx="0" cy="0"/>
+        </a:xfrm>
+      </p:grpSpPr>
+      <p:sp>
+        <p:nvSpPr>
+          <p:cNvPr id="3" name="标题 2"/>
+          <p:cNvSpPr>
+            <a:spLocks noGrp="1"/>
+          </p:cNvSpPr>
+          <p:nvPr>
+            <p:ph type="title"/>
+          </p:nvPr>
+        </p:nvSpPr>
+        <p:spPr/>
+        <p:txBody>
+          <a:bodyPr/>
+          <a:lstStyle/>
+          <a:p>
+            <a:r>
+              <a:rPr lang="zh-CN" altLang="en-US" dirty="0" smtClean="0"/>
+              <a:t>作业</a:t>
+            </a:r>
+            <a:endParaRPr lang="zh-CN" altLang="en-US" dirty="0"/>
+          </a:p>
+        </p:txBody>
+      </p:sp>
+      <p:sp>
+        <p:nvSpPr>
+          <p:cNvPr id="4" name="文本框 3"/>
+          <p:cNvSpPr txBox="1"/>
+          <p:nvPr/>
+        </p:nvSpPr>
+        <p:spPr>
+          <a:xfrm>
+            <a:off x="755576" y="2551837"/>
+            <a:ext cx="5616624" cy="1754326"/>
+          </a:xfrm>
+          <a:prstGeom prst="rect">
+            <a:avLst/>
+          </a:prstGeom>
+          <a:noFill/>
+        </p:spPr>
+        <p:txBody>
+          <a:bodyPr wrap="square" rtlCol="0" anchor="ctr">
+            <a:spAutoFit/>
+          </a:bodyPr>
+          <a:lstStyle/>
+          <a:p>
+            <a:r>
+              <a:rPr lang="zh-CN" altLang="en-US" sz="3600" dirty="0" smtClean="0">
+                <a:latin typeface="微软雅黑" panose="020B0503020204020204" pitchFamily="34" charset="-122"/>
+                <a:ea typeface="微软雅黑" panose="020B0503020204020204" pitchFamily="34" charset="-122"/>
+              </a:rPr>
+              <a:t>学习使用定位模块，并在每次位置变化时进行</a:t>
+            </a:r>
+            <a:r>
+              <a:rPr lang="en-US" altLang="zh-CN" sz="3600" dirty="0" err="1" smtClean="0">
+                <a:latin typeface="微软雅黑" panose="020B0503020204020204" pitchFamily="34" charset="-122"/>
+                <a:ea typeface="微软雅黑" panose="020B0503020204020204" pitchFamily="34" charset="-122"/>
+              </a:rPr>
+              <a:t>Messagebox</a:t>
+            </a:r>
+            <a:r>
+              <a:rPr lang="zh-CN" altLang="en-US" sz="3600" dirty="0" smtClean="0">
+                <a:latin typeface="微软雅黑" panose="020B0503020204020204" pitchFamily="34" charset="-122"/>
+                <a:ea typeface="微软雅黑" panose="020B0503020204020204" pitchFamily="34" charset="-122"/>
+              </a:rPr>
+              <a:t>显示出来</a:t>
+            </a:r>
+            <a:endParaRPr lang="zh-CN" altLang="en-US" sz="3600" dirty="0">
+              <a:latin typeface="微软雅黑" panose="020B0503020204020204" pitchFamily="34" charset="-122"/>
+              <a:ea typeface="微软雅黑" panose="020B0503020204020204" pitchFamily="34" charset="-122"/>
+            </a:endParaRPr>
+          </a:p>
+        </p:txBody>
+      </p:sp>
+    </p:spTree>
+    <p:extLst>
+      <p:ext uri="{BB962C8B-B14F-4D97-AF65-F5344CB8AC3E}">
+        <p14:creationId xmlns:p14="http://schemas.microsoft.com/office/powerpoint/2010/main" val="3767041694"/>
+      </p:ext>
+    </p:extLst>
+  </p:cSld>
+  <p:clrMapOvr>
+    <a:masterClrMapping/>
+  </p:clrMapOvr>
+</p:sld>
+</file>
+
+<file path=ppt/slides/slide19.xml><?xml version="1.0" encoding="utf-8"?>
 <p:sld xmlns:a="http://schemas.openxmlformats.org/drawingml/2006/main" xmlns:r="http://schemas.openxmlformats.org/officeDocument/2006/relationships" xmlns:p="http://schemas.openxmlformats.org/presentationml/2006/main">
   <p:cSld>
     <p:spTree>
@@ -5740,7 +6516,7 @@
         </p:nvSpPr>
         <p:spPr bwMode="auto">
           <a:xfrm>
-            <a:off x="1187624" y="3501008"/>
+            <a:off x="1115616" y="476672"/>
             <a:ext cx="4452170" cy="1944216"/>
           </a:xfrm>
           <a:custGeom>
@@ -6153,10 +6929,173 @@
   <p:clrMapOvr>
     <a:masterClrMapping/>
   </p:clrMapOvr>
+  <p:timing>
+    <p:tnLst>
+      <p:par>
+        <p:cTn id="1" dur="indefinite" restart="never" nodeType="tmRoot"/>
+      </p:par>
+    </p:tnLst>
+  </p:timing>
 </p:sld>
 </file>
 
-<file path=ppt/slides/slide15.xml><?xml version="1.0" encoding="utf-8"?>
+<file path=ppt/slides/slide2.xml><?xml version="1.0" encoding="utf-8"?>
+<p:sld xmlns:a="http://schemas.openxmlformats.org/drawingml/2006/main" xmlns:r="http://schemas.openxmlformats.org/officeDocument/2006/relationships" xmlns:p="http://schemas.openxmlformats.org/presentationml/2006/main">
+  <p:cSld>
+    <p:spTree>
+      <p:nvGrpSpPr>
+        <p:cNvPr id="1" name=""/>
+        <p:cNvGrpSpPr/>
+        <p:nvPr/>
+      </p:nvGrpSpPr>
+      <p:grpSpPr>
+        <a:xfrm>
+          <a:off x="0" y="0"/>
+          <a:ext cx="0" cy="0"/>
+          <a:chOff x="0" y="0"/>
+          <a:chExt cx="0" cy="0"/>
+        </a:xfrm>
+      </p:grpSpPr>
+      <p:sp>
+        <p:nvSpPr>
+          <p:cNvPr id="8194" name="标题 3"/>
+          <p:cNvSpPr>
+            <a:spLocks noGrp="1"/>
+          </p:cNvSpPr>
+          <p:nvPr>
+            <p:ph type="title"/>
+          </p:nvPr>
+        </p:nvSpPr>
+        <p:spPr>
+          <a:xfrm>
+            <a:off x="1042988" y="2205038"/>
+            <a:ext cx="7632700" cy="647700"/>
+          </a:xfrm>
+        </p:spPr>
+        <p:txBody>
+          <a:bodyPr/>
+          <a:lstStyle/>
+          <a:p>
+            <a:pPr eaLnBrk="1" hangingPunct="1"/>
+            <a:r>
+              <a:rPr lang="zh-CN" altLang="en-US" smtClean="0"/>
+              <a:t>目录</a:t>
+            </a:r>
+          </a:p>
+        </p:txBody>
+      </p:sp>
+      <p:sp>
+        <p:nvSpPr>
+          <p:cNvPr id="6147" name="内容占位符 4"/>
+          <p:cNvSpPr>
+            <a:spLocks noGrp="1"/>
+          </p:cNvSpPr>
+          <p:nvPr>
+            <p:ph idx="1"/>
+          </p:nvPr>
+        </p:nvSpPr>
+        <p:spPr>
+          <a:xfrm>
+            <a:off x="950913" y="2963863"/>
+            <a:ext cx="7869237" cy="2337345"/>
+          </a:xfrm>
+        </p:spPr>
+        <p:txBody>
+          <a:bodyPr/>
+          <a:lstStyle/>
+          <a:p>
+            <a:pPr eaLnBrk="1" hangingPunct="1">
+              <a:lnSpc>
+                <a:spcPct val="150000"/>
+              </a:lnSpc>
+              <a:defRPr/>
+            </a:pPr>
+            <a:r>
+              <a:rPr lang="zh-CN" altLang="en-US" dirty="0" smtClean="0"/>
+              <a:t>了解高德</a:t>
+            </a:r>
+            <a:r>
+              <a:rPr lang="en-US" altLang="zh-CN" dirty="0" smtClean="0"/>
+              <a:t>LBS</a:t>
+            </a:r>
+            <a:r>
+              <a:rPr lang="zh-CN" altLang="en-US" dirty="0" smtClean="0"/>
+              <a:t>开放平台</a:t>
+            </a:r>
+            <a:endParaRPr lang="en-US" altLang="zh-CN" dirty="0" smtClean="0"/>
+          </a:p>
+          <a:p>
+            <a:pPr eaLnBrk="1" hangingPunct="1">
+              <a:lnSpc>
+                <a:spcPct val="150000"/>
+              </a:lnSpc>
+              <a:defRPr/>
+            </a:pPr>
+            <a:r>
+              <a:rPr lang="en-US" altLang="zh-CN" dirty="0" smtClean="0"/>
+              <a:t>WP</a:t>
+            </a:r>
+            <a:r>
+              <a:rPr lang="zh-CN" altLang="en-US" dirty="0" smtClean="0"/>
+              <a:t>平台简介</a:t>
+            </a:r>
+            <a:endParaRPr lang="en-US" altLang="zh-CN" dirty="0" smtClean="0"/>
+          </a:p>
+          <a:p>
+            <a:pPr eaLnBrk="1" hangingPunct="1">
+              <a:lnSpc>
+                <a:spcPct val="150000"/>
+              </a:lnSpc>
+              <a:defRPr/>
+            </a:pPr>
+            <a:r>
+              <a:rPr lang="zh-CN" altLang="en-US" dirty="0" smtClean="0"/>
+              <a:t>准备成为高德开发者</a:t>
+            </a:r>
+            <a:endParaRPr lang="en-US" altLang="zh-CN" dirty="0"/>
+          </a:p>
+          <a:p>
+            <a:pPr eaLnBrk="1" hangingPunct="1">
+              <a:lnSpc>
+                <a:spcPct val="150000"/>
+              </a:lnSpc>
+              <a:defRPr/>
+            </a:pPr>
+            <a:r>
+              <a:rPr lang="zh-CN" altLang="en-US" dirty="0"/>
+              <a:t>开发你的第一个地图应用</a:t>
+            </a:r>
+            <a:endParaRPr lang="zh-CN" altLang="zh-CN" dirty="0"/>
+          </a:p>
+          <a:p>
+            <a:pPr marL="0" indent="0" eaLnBrk="1" hangingPunct="1">
+              <a:lnSpc>
+                <a:spcPct val="150000"/>
+              </a:lnSpc>
+              <a:buFont typeface="Wingdings" panose="05000000000000000000" pitchFamily="2" charset="2"/>
+              <a:buNone/>
+              <a:defRPr/>
+            </a:pPr>
+            <a:endParaRPr lang="en-US" altLang="zh-CN" dirty="0" smtClean="0"/>
+          </a:p>
+        </p:txBody>
+      </p:sp>
+    </p:spTree>
+  </p:cSld>
+  <p:clrMapOvr>
+    <a:masterClrMapping/>
+  </p:clrMapOvr>
+  <p:timing>
+    <p:tnLst>
+      <p:par>
+        <p:cTn id="1" dur="indefinite" restart="never" nodeType="tmRoot"/>
+      </p:par>
+    </p:tnLst>
+  </p:timing>
+</p:sld>
+</file>
+
+<file path=ppt/slides/slide20.xml><?xml version="1.0" encoding="utf-8"?>
 <p:sld xmlns:a="http://schemas.openxmlformats.org/drawingml/2006/main" xmlns:r="http://schemas.openxmlformats.org/officeDocument/2006/relationships" xmlns:p="http://schemas.openxmlformats.org/presentationml/2006/main">
   <p:cSld>
     <p:spTree>
@@ -6425,8 +7364,8 @@
         </p:nvSpPr>
         <p:spPr>
           <a:xfrm>
-            <a:off x="1475656" y="4149080"/>
-            <a:ext cx="5616624" cy="369332"/>
+            <a:off x="1763688" y="4149080"/>
+            <a:ext cx="5616624" cy="707886"/>
           </a:xfrm>
           <a:prstGeom prst="rect">
             <a:avLst/>
@@ -6440,18 +7379,35 @@
           <a:lstStyle/>
           <a:p>
             <a:r>
-              <a:rPr lang="zh-CN" altLang="en-US" dirty="0"/>
+              <a:rPr lang="zh-CN" altLang="en-US" sz="4000" dirty="0">
+                <a:solidFill>
+                  <a:schemeClr val="accent1"/>
+                </a:solidFill>
+                <a:latin typeface="微软雅黑" panose="020B0503020204020204" pitchFamily="34" charset="-122"/>
+                <a:ea typeface="微软雅黑" panose="020B0503020204020204" pitchFamily="34" charset="-122"/>
+              </a:rPr>
               <a:t>结合搜索</a:t>
             </a:r>
             <a:r>
-              <a:rPr lang="en-US" altLang="zh-CN" dirty="0"/>
+              <a:rPr lang="en-US" altLang="zh-CN" sz="4000" dirty="0">
+                <a:solidFill>
+                  <a:schemeClr val="accent1"/>
+                </a:solidFill>
+                <a:latin typeface="微软雅黑" panose="020B0503020204020204" pitchFamily="34" charset="-122"/>
+                <a:ea typeface="微软雅黑" panose="020B0503020204020204" pitchFamily="34" charset="-122"/>
+              </a:rPr>
               <a:t>SDK</a:t>
             </a:r>
             <a:r>
-              <a:rPr lang="zh-CN" altLang="en-US" dirty="0"/>
+              <a:rPr lang="zh-CN" altLang="en-US" sz="4000" dirty="0">
+                <a:solidFill>
+                  <a:schemeClr val="accent1"/>
+                </a:solidFill>
+                <a:latin typeface="微软雅黑" panose="020B0503020204020204" pitchFamily="34" charset="-122"/>
+                <a:ea typeface="微软雅黑" panose="020B0503020204020204" pitchFamily="34" charset="-122"/>
+              </a:rPr>
               <a:t>做点事情</a:t>
             </a:r>
-            <a:endParaRPr lang="zh-CN" altLang="en-US" dirty="0"/>
           </a:p>
         </p:txBody>
       </p:sp>
@@ -6476,7 +7432,7 @@
 </p:sld>
 </file>
 
-<file path=ppt/slides/slide16.xml><?xml version="1.0" encoding="utf-8"?>
+<file path=ppt/slides/slide21.xml><?xml version="1.0" encoding="utf-8"?>
 <p:sld xmlns:a="http://schemas.openxmlformats.org/drawingml/2006/main" xmlns:r="http://schemas.openxmlformats.org/officeDocument/2006/relationships" xmlns:p="http://schemas.openxmlformats.org/presentationml/2006/main">
   <p:cSld>
     <p:spTree>
@@ -6519,171 +7475,6 @@
               <a:t>Thanks!</a:t>
             </a:r>
             <a:endParaRPr lang="zh-CN" altLang="en-US" dirty="0" smtClean="0"/>
-          </a:p>
-        </p:txBody>
-      </p:sp>
-    </p:spTree>
-  </p:cSld>
-  <p:clrMapOvr>
-    <a:masterClrMapping/>
-  </p:clrMapOvr>
-  <p:timing>
-    <p:tnLst>
-      <p:par>
-        <p:cTn id="1" dur="indefinite" restart="never" nodeType="tmRoot"/>
-      </p:par>
-    </p:tnLst>
-  </p:timing>
-</p:sld>
-</file>
-
-<file path=ppt/slides/slide2.xml><?xml version="1.0" encoding="utf-8"?>
-<p:sld xmlns:a="http://schemas.openxmlformats.org/drawingml/2006/main" xmlns:r="http://schemas.openxmlformats.org/officeDocument/2006/relationships" xmlns:p="http://schemas.openxmlformats.org/presentationml/2006/main">
-  <p:cSld>
-    <p:spTree>
-      <p:nvGrpSpPr>
-        <p:cNvPr id="1" name=""/>
-        <p:cNvGrpSpPr/>
-        <p:nvPr/>
-      </p:nvGrpSpPr>
-      <p:grpSpPr>
-        <a:xfrm>
-          <a:off x="0" y="0"/>
-          <a:ext cx="0" cy="0"/>
-          <a:chOff x="0" y="0"/>
-          <a:chExt cx="0" cy="0"/>
-        </a:xfrm>
-      </p:grpSpPr>
-      <p:sp>
-        <p:nvSpPr>
-          <p:cNvPr id="8194" name="标题 3"/>
-          <p:cNvSpPr>
-            <a:spLocks noGrp="1"/>
-          </p:cNvSpPr>
-          <p:nvPr>
-            <p:ph type="title"/>
-          </p:nvPr>
-        </p:nvSpPr>
-        <p:spPr>
-          <a:xfrm>
-            <a:off x="1042988" y="2205038"/>
-            <a:ext cx="7632700" cy="647700"/>
-          </a:xfrm>
-        </p:spPr>
-        <p:txBody>
-          <a:bodyPr/>
-          <a:lstStyle/>
-          <a:p>
-            <a:pPr eaLnBrk="1" hangingPunct="1"/>
-            <a:r>
-              <a:rPr lang="zh-CN" altLang="en-US" smtClean="0"/>
-              <a:t>目录</a:t>
-            </a:r>
-          </a:p>
-        </p:txBody>
-      </p:sp>
-      <p:sp>
-        <p:nvSpPr>
-          <p:cNvPr id="6147" name="内容占位符 4"/>
-          <p:cNvSpPr>
-            <a:spLocks noGrp="1"/>
-          </p:cNvSpPr>
-          <p:nvPr>
-            <p:ph idx="1"/>
-          </p:nvPr>
-        </p:nvSpPr>
-        <p:spPr>
-          <a:xfrm>
-            <a:off x="950913" y="2963863"/>
-            <a:ext cx="7869237" cy="3273425"/>
-          </a:xfrm>
-        </p:spPr>
-        <p:txBody>
-          <a:bodyPr/>
-          <a:lstStyle/>
-          <a:p>
-            <a:pPr eaLnBrk="1" hangingPunct="1">
-              <a:lnSpc>
-                <a:spcPct val="150000"/>
-              </a:lnSpc>
-              <a:defRPr/>
-            </a:pPr>
-            <a:r>
-              <a:rPr lang="zh-CN" altLang="en-US" dirty="0" smtClean="0"/>
-              <a:t>了解高德</a:t>
-            </a:r>
-            <a:r>
-              <a:rPr lang="en-US" altLang="zh-CN" dirty="0" smtClean="0"/>
-              <a:t>LBS</a:t>
-            </a:r>
-            <a:r>
-              <a:rPr lang="zh-CN" altLang="en-US" dirty="0" smtClean="0"/>
-              <a:t>开放平台</a:t>
-            </a:r>
-            <a:endParaRPr lang="en-US" altLang="zh-CN" dirty="0" smtClean="0"/>
-          </a:p>
-          <a:p>
-            <a:pPr eaLnBrk="1" hangingPunct="1">
-              <a:lnSpc>
-                <a:spcPct val="150000"/>
-              </a:lnSpc>
-              <a:defRPr/>
-            </a:pPr>
-            <a:r>
-              <a:rPr lang="en-US" altLang="zh-CN" dirty="0" smtClean="0"/>
-              <a:t>WP</a:t>
-            </a:r>
-            <a:r>
-              <a:rPr lang="zh-CN" altLang="en-US" dirty="0" smtClean="0"/>
-              <a:t>平台简介</a:t>
-            </a:r>
-            <a:endParaRPr lang="en-US" altLang="zh-CN" dirty="0" smtClean="0"/>
-          </a:p>
-          <a:p>
-            <a:pPr eaLnBrk="1" hangingPunct="1">
-              <a:lnSpc>
-                <a:spcPct val="150000"/>
-              </a:lnSpc>
-              <a:defRPr/>
-            </a:pPr>
-            <a:r>
-              <a:rPr lang="zh-CN" altLang="en-US" dirty="0" smtClean="0"/>
-              <a:t>准备成为高德开发者</a:t>
-            </a:r>
-            <a:endParaRPr lang="en-US" altLang="zh-CN" dirty="0" smtClean="0"/>
-          </a:p>
-          <a:p>
-            <a:pPr eaLnBrk="1" hangingPunct="1">
-              <a:lnSpc>
-                <a:spcPct val="150000"/>
-              </a:lnSpc>
-              <a:defRPr/>
-            </a:pPr>
-            <a:r>
-              <a:rPr lang="zh-CN" altLang="zh-CN" dirty="0">
-                <a:solidFill>
-                  <a:srgbClr val="404040"/>
-                </a:solidFill>
-                <a:latin typeface="Microsoft YaHei" panose="020B0503020204020204" pitchFamily="34" charset="-122"/>
-                <a:ea typeface="Microsoft YaHei" panose="020B0503020204020204" pitchFamily="34" charset="-122"/>
-                <a:sym typeface="Microsoft YaHei" panose="020B0503020204020204" pitchFamily="34" charset="-122"/>
-              </a:rPr>
-              <a:t>开发你的第一个地图应用</a:t>
-            </a:r>
-            <a:endParaRPr lang="zh-CN" altLang="zh-CN" dirty="0">
-              <a:ea typeface="宋体" panose="02010600030101010101" pitchFamily="2" charset="-122"/>
-            </a:endParaRPr>
-          </a:p>
-          <a:p>
-            <a:pPr marL="0" indent="0" eaLnBrk="1" hangingPunct="1">
-              <a:lnSpc>
-                <a:spcPct val="150000"/>
-              </a:lnSpc>
-              <a:buFont typeface="Wingdings" panose="05000000000000000000" pitchFamily="2" charset="2"/>
-              <a:buNone/>
-              <a:defRPr/>
-            </a:pPr>
-            <a:endParaRPr lang="en-US" altLang="zh-CN" dirty="0" smtClean="0"/>
           </a:p>
         </p:txBody>
       </p:sp>
@@ -6879,6 +7670,128 @@
           </a:extLst>
         </p:spPr>
       </p:pic>
+      <p:sp>
+        <p:nvSpPr>
+          <p:cNvPr id="2" name="文本框 1"/>
+          <p:cNvSpPr txBox="1"/>
+          <p:nvPr/>
+        </p:nvSpPr>
+        <p:spPr>
+          <a:xfrm>
+            <a:off x="457200" y="2852936"/>
+            <a:ext cx="3682752" cy="2677656"/>
+          </a:xfrm>
+          <a:prstGeom prst="rect">
+            <a:avLst/>
+          </a:prstGeom>
+          <a:noFill/>
+        </p:spPr>
+        <p:txBody>
+          <a:bodyPr wrap="square" rtlCol="0">
+            <a:spAutoFit/>
+          </a:bodyPr>
+          <a:lstStyle/>
+          <a:p>
+            <a:pPr marL="285750" indent="-285750">
+              <a:buFont typeface="Arial" panose="020B0604020202020204" pitchFamily="34" charset="0"/>
+              <a:buChar char="•"/>
+            </a:pPr>
+            <a:r>
+              <a:rPr lang="zh-CN" altLang="en-US" sz="2800" dirty="0" smtClean="0"/>
+              <a:t>基于位置</a:t>
+            </a:r>
+            <a:r>
+              <a:rPr lang="en-US" altLang="zh-CN" sz="2800" dirty="0"/>
+              <a:t>	</a:t>
+            </a:r>
+            <a:r>
+              <a:rPr lang="zh-CN" altLang="en-US" sz="2800" dirty="0" smtClean="0"/>
+              <a:t>打车服务</a:t>
+            </a:r>
+            <a:endParaRPr lang="en-US" altLang="zh-CN" sz="2800" dirty="0" smtClean="0"/>
+          </a:p>
+          <a:p>
+            <a:pPr marL="285750" indent="-285750">
+              <a:buFont typeface="Arial" panose="020B0604020202020204" pitchFamily="34" charset="0"/>
+              <a:buChar char="•"/>
+            </a:pPr>
+            <a:r>
+              <a:rPr lang="zh-CN" altLang="en-US" sz="2800" dirty="0" smtClean="0"/>
+              <a:t>基于位置</a:t>
+            </a:r>
+            <a:r>
+              <a:rPr lang="en-US" altLang="zh-CN" sz="2800" dirty="0" smtClean="0"/>
+              <a:t>	</a:t>
+            </a:r>
+            <a:r>
+              <a:rPr lang="zh-CN" altLang="en-US" sz="2800" dirty="0" smtClean="0"/>
+              <a:t>社交服务</a:t>
+            </a:r>
+            <a:endParaRPr lang="en-US" altLang="zh-CN" sz="2800" dirty="0"/>
+          </a:p>
+          <a:p>
+            <a:pPr marL="285750" indent="-285750">
+              <a:buFont typeface="Arial" panose="020B0604020202020204" pitchFamily="34" charset="0"/>
+              <a:buChar char="•"/>
+            </a:pPr>
+            <a:r>
+              <a:rPr lang="zh-CN" altLang="en-US" sz="2800" dirty="0" smtClean="0"/>
+              <a:t>基于位置</a:t>
+            </a:r>
+            <a:r>
+              <a:rPr lang="en-US" altLang="zh-CN" sz="2800" dirty="0" smtClean="0"/>
+              <a:t>	</a:t>
+            </a:r>
+            <a:r>
+              <a:rPr lang="zh-CN" altLang="en-US" sz="2800" dirty="0" smtClean="0"/>
+              <a:t>工具服务</a:t>
+            </a:r>
+            <a:endParaRPr lang="en-US" altLang="zh-CN" sz="2800" dirty="0" smtClean="0"/>
+          </a:p>
+          <a:p>
+            <a:pPr marL="285750" indent="-285750">
+              <a:buFont typeface="Arial" panose="020B0604020202020204" pitchFamily="34" charset="0"/>
+              <a:buChar char="•"/>
+            </a:pPr>
+            <a:r>
+              <a:rPr lang="zh-CN" altLang="en-US" sz="2800" dirty="0" smtClean="0"/>
+              <a:t>基于位置</a:t>
+            </a:r>
+            <a:r>
+              <a:rPr lang="en-US" altLang="zh-CN" sz="2800" dirty="0" smtClean="0"/>
+              <a:t>	</a:t>
+            </a:r>
+            <a:r>
+              <a:rPr lang="zh-CN" altLang="en-US" sz="2800" dirty="0" smtClean="0"/>
+              <a:t>生活服务</a:t>
+            </a:r>
+            <a:endParaRPr lang="en-US" altLang="zh-CN" sz="2800" dirty="0" smtClean="0"/>
+          </a:p>
+          <a:p>
+            <a:pPr marL="285750" indent="-285750">
+              <a:buFont typeface="Arial" panose="020B0604020202020204" pitchFamily="34" charset="0"/>
+              <a:buChar char="•"/>
+            </a:pPr>
+            <a:r>
+              <a:rPr lang="zh-CN" altLang="en-US" sz="2800" dirty="0" smtClean="0"/>
+              <a:t>基于位置</a:t>
+            </a:r>
+            <a:r>
+              <a:rPr lang="en-US" altLang="zh-CN" sz="2800" dirty="0" smtClean="0"/>
+              <a:t>	</a:t>
+            </a:r>
+            <a:r>
+              <a:rPr lang="zh-CN" altLang="en-US" sz="2800" dirty="0" smtClean="0"/>
+              <a:t>。。。</a:t>
+            </a:r>
+            <a:r>
+              <a:rPr lang="en-US" altLang="zh-CN" sz="2800" dirty="0" smtClean="0"/>
+              <a:t>	     	</a:t>
+            </a:r>
+            <a:endParaRPr lang="en-US" altLang="zh-CN" sz="2800" dirty="0"/>
+          </a:p>
+        </p:txBody>
+      </p:sp>
     </p:spTree>
   </p:cSld>
   <p:clrMapOvr>
@@ -6887,7 +7800,545 @@
   <p:timing>
     <p:tnLst>
       <p:par>
-        <p:cTn id="1" dur="indefinite" restart="never" nodeType="tmRoot"/>
+        <p:cTn id="1" dur="indefinite" restart="never" nodeType="tmRoot">
+          <p:childTnLst>
+            <p:seq concurrent="1" nextAc="seek">
+              <p:cTn id="2" dur="indefinite" nodeType="mainSeq">
+                <p:childTnLst>
+                  <p:par>
+                    <p:cTn id="3" fill="hold">
+                      <p:stCondLst>
+                        <p:cond delay="indefinite"/>
+                      </p:stCondLst>
+                      <p:childTnLst>
+                        <p:par>
+                          <p:cTn id="4" fill="hold">
+                            <p:stCondLst>
+                              <p:cond delay="0"/>
+                            </p:stCondLst>
+                            <p:childTnLst>
+                              <p:par>
+                                <p:cTn id="5" presetID="2" presetClass="entr" presetSubtype="4" fill="hold" nodeType="clickEffect">
+                                  <p:stCondLst>
+                                    <p:cond delay="0"/>
+                                  </p:stCondLst>
+                                  <p:childTnLst>
+                                    <p:set>
+                                      <p:cBhvr>
+                                        <p:cTn id="6" dur="1" fill="hold">
+                                          <p:stCondLst>
+                                            <p:cond delay="0"/>
+                                          </p:stCondLst>
+                                        </p:cTn>
+                                        <p:tgtEl>
+                                          <p:spTgt spid="2">
+                                            <p:txEl>
+                                              <p:pRg st="0" end="0"/>
+                                            </p:txEl>
+                                          </p:spTgt>
+                                        </p:tgtEl>
+                                        <p:attrNameLst>
+                                          <p:attrName>style.visibility</p:attrName>
+                                        </p:attrNameLst>
+                                      </p:cBhvr>
+                                      <p:to>
+                                        <p:strVal val="visible"/>
+                                      </p:to>
+                                    </p:set>
+                                    <p:anim calcmode="lin" valueType="num">
+                                      <p:cBhvr additive="base">
+                                        <p:cTn id="7" dur="500" fill="hold"/>
+                                        <p:tgtEl>
+                                          <p:spTgt spid="2">
+                                            <p:txEl>
+                                              <p:pRg st="0" end="0"/>
+                                            </p:txEl>
+                                          </p:spTgt>
+                                        </p:tgtEl>
+                                        <p:attrNameLst>
+                                          <p:attrName>ppt_x</p:attrName>
+                                        </p:attrNameLst>
+                                      </p:cBhvr>
+                                      <p:tavLst>
+                                        <p:tav tm="0">
+                                          <p:val>
+                                            <p:strVal val="#ppt_x"/>
+                                          </p:val>
+                                        </p:tav>
+                                        <p:tav tm="100000">
+                                          <p:val>
+                                            <p:strVal val="#ppt_x"/>
+                                          </p:val>
+                                        </p:tav>
+                                      </p:tavLst>
+                                    </p:anim>
+                                    <p:anim calcmode="lin" valueType="num">
+                                      <p:cBhvr additive="base">
+                                        <p:cTn id="8" dur="500" fill="hold"/>
+                                        <p:tgtEl>
+                                          <p:spTgt spid="2">
+                                            <p:txEl>
+                                              <p:pRg st="0" end="0"/>
+                                            </p:txEl>
+                                          </p:spTgt>
+                                        </p:tgtEl>
+                                        <p:attrNameLst>
+                                          <p:attrName>ppt_y</p:attrName>
+                                        </p:attrNameLst>
+                                      </p:cBhvr>
+                                      <p:tavLst>
+                                        <p:tav tm="0">
+                                          <p:val>
+                                            <p:strVal val="1+#ppt_h/2"/>
+                                          </p:val>
+                                        </p:tav>
+                                        <p:tav tm="100000">
+                                          <p:val>
+                                            <p:strVal val="#ppt_y"/>
+                                          </p:val>
+                                        </p:tav>
+                                      </p:tavLst>
+                                    </p:anim>
+                                  </p:childTnLst>
+                                </p:cTn>
+                              </p:par>
+                            </p:childTnLst>
+                          </p:cTn>
+                        </p:par>
+                      </p:childTnLst>
+                    </p:cTn>
+                  </p:par>
+                  <p:par>
+                    <p:cTn id="9" fill="hold">
+                      <p:stCondLst>
+                        <p:cond delay="indefinite"/>
+                      </p:stCondLst>
+                      <p:childTnLst>
+                        <p:par>
+                          <p:cTn id="10" fill="hold">
+                            <p:stCondLst>
+                              <p:cond delay="0"/>
+                            </p:stCondLst>
+                            <p:childTnLst>
+                              <p:par>
+                                <p:cTn id="11" presetID="2" presetClass="entr" presetSubtype="4" fill="hold" nodeType="clickEffect">
+                                  <p:stCondLst>
+                                    <p:cond delay="0"/>
+                                  </p:stCondLst>
+                                  <p:childTnLst>
+                                    <p:set>
+                                      <p:cBhvr>
+                                        <p:cTn id="12" dur="1" fill="hold">
+                                          <p:stCondLst>
+                                            <p:cond delay="0"/>
+                                          </p:stCondLst>
+                                        </p:cTn>
+                                        <p:tgtEl>
+                                          <p:spTgt spid="2">
+                                            <p:txEl>
+                                              <p:pRg st="1" end="1"/>
+                                            </p:txEl>
+                                          </p:spTgt>
+                                        </p:tgtEl>
+                                        <p:attrNameLst>
+                                          <p:attrName>style.visibility</p:attrName>
+                                        </p:attrNameLst>
+                                      </p:cBhvr>
+                                      <p:to>
+                                        <p:strVal val="visible"/>
+                                      </p:to>
+                                    </p:set>
+                                    <p:anim calcmode="lin" valueType="num">
+                                      <p:cBhvr additive="base">
+                                        <p:cTn id="13" dur="500" fill="hold"/>
+                                        <p:tgtEl>
+                                          <p:spTgt spid="2">
+                                            <p:txEl>
+                                              <p:pRg st="1" end="1"/>
+                                            </p:txEl>
+                                          </p:spTgt>
+                                        </p:tgtEl>
+                                        <p:attrNameLst>
+                                          <p:attrName>ppt_x</p:attrName>
+                                        </p:attrNameLst>
+                                      </p:cBhvr>
+                                      <p:tavLst>
+                                        <p:tav tm="0">
+                                          <p:val>
+                                            <p:strVal val="#ppt_x"/>
+                                          </p:val>
+                                        </p:tav>
+                                        <p:tav tm="100000">
+                                          <p:val>
+                                            <p:strVal val="#ppt_x"/>
+                                          </p:val>
+                                        </p:tav>
+                                      </p:tavLst>
+                                    </p:anim>
+                                    <p:anim calcmode="lin" valueType="num">
+                                      <p:cBhvr additive="base">
+                                        <p:cTn id="14" dur="500" fill="hold"/>
+                                        <p:tgtEl>
+                                          <p:spTgt spid="2">
+                                            <p:txEl>
+                                              <p:pRg st="1" end="1"/>
+                                            </p:txEl>
+                                          </p:spTgt>
+                                        </p:tgtEl>
+                                        <p:attrNameLst>
+                                          <p:attrName>ppt_y</p:attrName>
+                                        </p:attrNameLst>
+                                      </p:cBhvr>
+                                      <p:tavLst>
+                                        <p:tav tm="0">
+                                          <p:val>
+                                            <p:strVal val="1+#ppt_h/2"/>
+                                          </p:val>
+                                        </p:tav>
+                                        <p:tav tm="100000">
+                                          <p:val>
+                                            <p:strVal val="#ppt_y"/>
+                                          </p:val>
+                                        </p:tav>
+                                      </p:tavLst>
+                                    </p:anim>
+                                  </p:childTnLst>
+                                </p:cTn>
+                              </p:par>
+                            </p:childTnLst>
+                          </p:cTn>
+                        </p:par>
+                      </p:childTnLst>
+                    </p:cTn>
+                  </p:par>
+                  <p:par>
+                    <p:cTn id="15" fill="hold">
+                      <p:stCondLst>
+                        <p:cond delay="indefinite"/>
+                      </p:stCondLst>
+                      <p:childTnLst>
+                        <p:par>
+                          <p:cTn id="16" fill="hold">
+                            <p:stCondLst>
+                              <p:cond delay="0"/>
+                            </p:stCondLst>
+                            <p:childTnLst>
+                              <p:par>
+                                <p:cTn id="17" presetID="2" presetClass="entr" presetSubtype="4" fill="hold" nodeType="clickEffect">
+                                  <p:stCondLst>
+                                    <p:cond delay="0"/>
+                                  </p:stCondLst>
+                                  <p:childTnLst>
+                                    <p:set>
+                                      <p:cBhvr>
+                                        <p:cTn id="18" dur="1" fill="hold">
+                                          <p:stCondLst>
+                                            <p:cond delay="0"/>
+                                          </p:stCondLst>
+                                        </p:cTn>
+                                        <p:tgtEl>
+                                          <p:spTgt spid="2">
+                                            <p:txEl>
+                                              <p:pRg st="2" end="2"/>
+                                            </p:txEl>
+                                          </p:spTgt>
+                                        </p:tgtEl>
+                                        <p:attrNameLst>
+                                          <p:attrName>style.visibility</p:attrName>
+                                        </p:attrNameLst>
+                                      </p:cBhvr>
+                                      <p:to>
+                                        <p:strVal val="visible"/>
+                                      </p:to>
+                                    </p:set>
+                                    <p:anim calcmode="lin" valueType="num">
+                                      <p:cBhvr additive="base">
+                                        <p:cTn id="19" dur="500" fill="hold"/>
+                                        <p:tgtEl>
+                                          <p:spTgt spid="2">
+                                            <p:txEl>
+                                              <p:pRg st="2" end="2"/>
+                                            </p:txEl>
+                                          </p:spTgt>
+                                        </p:tgtEl>
+                                        <p:attrNameLst>
+                                          <p:attrName>ppt_x</p:attrName>
+                                        </p:attrNameLst>
+                                      </p:cBhvr>
+                                      <p:tavLst>
+                                        <p:tav tm="0">
+                                          <p:val>
+                                            <p:strVal val="#ppt_x"/>
+                                          </p:val>
+                                        </p:tav>
+                                        <p:tav tm="100000">
+                                          <p:val>
+                                            <p:strVal val="#ppt_x"/>
+                                          </p:val>
+                                        </p:tav>
+                                      </p:tavLst>
+                                    </p:anim>
+                                    <p:anim calcmode="lin" valueType="num">
+                                      <p:cBhvr additive="base">
+                                        <p:cTn id="20" dur="500" fill="hold"/>
+                                        <p:tgtEl>
+                                          <p:spTgt spid="2">
+                                            <p:txEl>
+                                              <p:pRg st="2" end="2"/>
+                                            </p:txEl>
+                                          </p:spTgt>
+                                        </p:tgtEl>
+                                        <p:attrNameLst>
+                                          <p:attrName>ppt_y</p:attrName>
+                                        </p:attrNameLst>
+                                      </p:cBhvr>
+                                      <p:tavLst>
+                                        <p:tav tm="0">
+                                          <p:val>
+                                            <p:strVal val="1+#ppt_h/2"/>
+                                          </p:val>
+                                        </p:tav>
+                                        <p:tav tm="100000">
+                                          <p:val>
+                                            <p:strVal val="#ppt_y"/>
+                                          </p:val>
+                                        </p:tav>
+                                      </p:tavLst>
+                                    </p:anim>
+                                  </p:childTnLst>
+                                </p:cTn>
+                              </p:par>
+                            </p:childTnLst>
+                          </p:cTn>
+                        </p:par>
+                      </p:childTnLst>
+                    </p:cTn>
+                  </p:par>
+                  <p:par>
+                    <p:cTn id="21" fill="hold">
+                      <p:stCondLst>
+                        <p:cond delay="indefinite"/>
+                      </p:stCondLst>
+                      <p:childTnLst>
+                        <p:par>
+                          <p:cTn id="22" fill="hold">
+                            <p:stCondLst>
+                              <p:cond delay="0"/>
+                            </p:stCondLst>
+                            <p:childTnLst>
+                              <p:par>
+                                <p:cTn id="23" presetID="2" presetClass="entr" presetSubtype="4" fill="hold" nodeType="clickEffect">
+                                  <p:stCondLst>
+                                    <p:cond delay="0"/>
+                                  </p:stCondLst>
+                                  <p:childTnLst>
+                                    <p:set>
+                                      <p:cBhvr>
+                                        <p:cTn id="24" dur="1" fill="hold">
+                                          <p:stCondLst>
+                                            <p:cond delay="0"/>
+                                          </p:stCondLst>
+                                        </p:cTn>
+                                        <p:tgtEl>
+                                          <p:spTgt spid="2">
+                                            <p:txEl>
+                                              <p:pRg st="3" end="3"/>
+                                            </p:txEl>
+                                          </p:spTgt>
+                                        </p:tgtEl>
+                                        <p:attrNameLst>
+                                          <p:attrName>style.visibility</p:attrName>
+                                        </p:attrNameLst>
+                                      </p:cBhvr>
+                                      <p:to>
+                                        <p:strVal val="visible"/>
+                                      </p:to>
+                                    </p:set>
+                                    <p:anim calcmode="lin" valueType="num">
+                                      <p:cBhvr additive="base">
+                                        <p:cTn id="25" dur="500" fill="hold"/>
+                                        <p:tgtEl>
+                                          <p:spTgt spid="2">
+                                            <p:txEl>
+                                              <p:pRg st="3" end="3"/>
+                                            </p:txEl>
+                                          </p:spTgt>
+                                        </p:tgtEl>
+                                        <p:attrNameLst>
+                                          <p:attrName>ppt_x</p:attrName>
+                                        </p:attrNameLst>
+                                      </p:cBhvr>
+                                      <p:tavLst>
+                                        <p:tav tm="0">
+                                          <p:val>
+                                            <p:strVal val="#ppt_x"/>
+                                          </p:val>
+                                        </p:tav>
+                                        <p:tav tm="100000">
+                                          <p:val>
+                                            <p:strVal val="#ppt_x"/>
+                                          </p:val>
+                                        </p:tav>
+                                      </p:tavLst>
+                                    </p:anim>
+                                    <p:anim calcmode="lin" valueType="num">
+                                      <p:cBhvr additive="base">
+                                        <p:cTn id="26" dur="500" fill="hold"/>
+                                        <p:tgtEl>
+                                          <p:spTgt spid="2">
+                                            <p:txEl>
+                                              <p:pRg st="3" end="3"/>
+                                            </p:txEl>
+                                          </p:spTgt>
+                                        </p:tgtEl>
+                                        <p:attrNameLst>
+                                          <p:attrName>ppt_y</p:attrName>
+                                        </p:attrNameLst>
+                                      </p:cBhvr>
+                                      <p:tavLst>
+                                        <p:tav tm="0">
+                                          <p:val>
+                                            <p:strVal val="1+#ppt_h/2"/>
+                                          </p:val>
+                                        </p:tav>
+                                        <p:tav tm="100000">
+                                          <p:val>
+                                            <p:strVal val="#ppt_y"/>
+                                          </p:val>
+                                        </p:tav>
+                                      </p:tavLst>
+                                    </p:anim>
+                                  </p:childTnLst>
+                                </p:cTn>
+                              </p:par>
+                            </p:childTnLst>
+                          </p:cTn>
+                        </p:par>
+                      </p:childTnLst>
+                    </p:cTn>
+                  </p:par>
+                  <p:par>
+                    <p:cTn id="27" fill="hold">
+                      <p:stCondLst>
+                        <p:cond delay="indefinite"/>
+                      </p:stCondLst>
+                      <p:childTnLst>
+                        <p:par>
+                          <p:cTn id="28" fill="hold">
+                            <p:stCondLst>
+                              <p:cond delay="0"/>
+                            </p:stCondLst>
+                            <p:childTnLst>
+                              <p:par>
+                                <p:cTn id="29" presetID="2" presetClass="entr" presetSubtype="4" fill="hold" nodeType="clickEffect">
+                                  <p:stCondLst>
+                                    <p:cond delay="0"/>
+                                  </p:stCondLst>
+                                  <p:childTnLst>
+                                    <p:set>
+                                      <p:cBhvr>
+                                        <p:cTn id="30" dur="1" fill="hold">
+                                          <p:stCondLst>
+                                            <p:cond delay="0"/>
+                                          </p:stCondLst>
+                                        </p:cTn>
+                                        <p:tgtEl>
+                                          <p:spTgt spid="2">
+                                            <p:txEl>
+                                              <p:pRg st="4" end="4"/>
+                                            </p:txEl>
+                                          </p:spTgt>
+                                        </p:tgtEl>
+                                        <p:attrNameLst>
+                                          <p:attrName>style.visibility</p:attrName>
+                                        </p:attrNameLst>
+                                      </p:cBhvr>
+                                      <p:to>
+                                        <p:strVal val="visible"/>
+                                      </p:to>
+                                    </p:set>
+                                    <p:anim calcmode="lin" valueType="num">
+                                      <p:cBhvr additive="base">
+                                        <p:cTn id="31" dur="500" fill="hold"/>
+                                        <p:tgtEl>
+                                          <p:spTgt spid="2">
+                                            <p:txEl>
+                                              <p:pRg st="4" end="4"/>
+                                            </p:txEl>
+                                          </p:spTgt>
+                                        </p:tgtEl>
+                                        <p:attrNameLst>
+                                          <p:attrName>ppt_x</p:attrName>
+                                        </p:attrNameLst>
+                                      </p:cBhvr>
+                                      <p:tavLst>
+                                        <p:tav tm="0">
+                                          <p:val>
+                                            <p:strVal val="#ppt_x"/>
+                                          </p:val>
+                                        </p:tav>
+                                        <p:tav tm="100000">
+                                          <p:val>
+                                            <p:strVal val="#ppt_x"/>
+                                          </p:val>
+                                        </p:tav>
+                                      </p:tavLst>
+                                    </p:anim>
+                                    <p:anim calcmode="lin" valueType="num">
+                                      <p:cBhvr additive="base">
+                                        <p:cTn id="32" dur="500" fill="hold"/>
+                                        <p:tgtEl>
+                                          <p:spTgt spid="2">
+                                            <p:txEl>
+                                              <p:pRg st="4" end="4"/>
+                                            </p:txEl>
+                                          </p:spTgt>
+                                        </p:tgtEl>
+                                        <p:attrNameLst>
+                                          <p:attrName>ppt_y</p:attrName>
+                                        </p:attrNameLst>
+                                      </p:cBhvr>
+                                      <p:tavLst>
+                                        <p:tav tm="0">
+                                          <p:val>
+                                            <p:strVal val="1+#ppt_h/2"/>
+                                          </p:val>
+                                        </p:tav>
+                                        <p:tav tm="100000">
+                                          <p:val>
+                                            <p:strVal val="#ppt_y"/>
+                                          </p:val>
+                                        </p:tav>
+                                      </p:tavLst>
+                                    </p:anim>
+                                  </p:childTnLst>
+                                </p:cTn>
+                              </p:par>
+                            </p:childTnLst>
+                          </p:cTn>
+                        </p:par>
+                      </p:childTnLst>
+                    </p:cTn>
+                  </p:par>
+                </p:childTnLst>
+              </p:cTn>
+              <p:prevCondLst>
+                <p:cond evt="onPrev" delay="0">
+                  <p:tgtEl>
+                    <p:sldTgt/>
+                  </p:tgtEl>
+                </p:cond>
+              </p:prevCondLst>
+              <p:nextCondLst>
+                <p:cond evt="onNext" delay="0">
+                  <p:tgtEl>
+                    <p:sldTgt/>
+                  </p:tgtEl>
+                </p:cond>
+              </p:nextCondLst>
+            </p:seq>
+          </p:childTnLst>
+        </p:cTn>
       </p:par>
     </p:tnLst>
   </p:timing>
@@ -8809,7 +10260,7 @@
       </p:grpSpPr>
       <p:sp>
         <p:nvSpPr>
-          <p:cNvPr id="18434" name="标题 2"/>
+          <p:cNvPr id="3" name="标题 2"/>
           <p:cNvSpPr>
             <a:spLocks noGrp="1"/>
           </p:cNvSpPr>
@@ -8817,299 +10268,132 @@
             <p:ph type="title"/>
           </p:nvPr>
         </p:nvSpPr>
-        <p:spPr>
-          <a:xfrm>
-            <a:off x="755650" y="333375"/>
-            <a:ext cx="7848600" cy="431800"/>
-          </a:xfrm>
-        </p:spPr>
+        <p:spPr/>
         <p:txBody>
           <a:bodyPr/>
           <a:lstStyle/>
           <a:p>
             <a:r>
-              <a:rPr lang="zh-CN" altLang="en-US" smtClean="0"/>
-              <a:t>开发你的第一个地图应用</a:t>
-            </a:r>
+              <a:rPr lang="zh-CN" altLang="en-US" dirty="0" smtClean="0"/>
+              <a:t>如果你产品要上线的话</a:t>
+            </a:r>
+            <a:endParaRPr lang="zh-CN" altLang="en-US" dirty="0"/>
           </a:p>
         </p:txBody>
       </p:sp>
+      <p:pic>
+        <p:nvPicPr>
+          <p:cNvPr id="5" name="图片 4"/>
+          <p:cNvPicPr>
+            <a:picLocks noChangeAspect="1"/>
+          </p:cNvPicPr>
+          <p:nvPr/>
+        </p:nvPicPr>
+        <p:blipFill>
+          <a:blip r:embed="rId2"/>
+          <a:stretch>
+            <a:fillRect/>
+          </a:stretch>
+        </p:blipFill>
+        <p:spPr>
+          <a:xfrm>
+            <a:off x="265174" y="2204864"/>
+            <a:ext cx="8829675" cy="2295525"/>
+          </a:xfrm>
+          <a:prstGeom prst="rect">
+            <a:avLst/>
+          </a:prstGeom>
+        </p:spPr>
+      </p:pic>
       <p:sp>
         <p:nvSpPr>
-          <p:cNvPr id="18435" name="矩形 3"/>
-          <p:cNvSpPr>
-            <a:spLocks noChangeArrowheads="1"/>
-          </p:cNvSpPr>
+          <p:cNvPr id="6" name="文本框 5"/>
+          <p:cNvSpPr txBox="1"/>
           <p:nvPr/>
         </p:nvSpPr>
-        <p:spPr bwMode="auto">
+        <p:spPr>
           <a:xfrm>
-            <a:off x="539750" y="1341438"/>
-            <a:ext cx="4824413" cy="1744067"/>
+            <a:off x="755576" y="1115452"/>
+            <a:ext cx="7488832" cy="369332"/>
           </a:xfrm>
           <a:prstGeom prst="rect">
             <a:avLst/>
           </a:prstGeom>
           <a:noFill/>
-          <a:ln>
-            <a:noFill/>
-          </a:ln>
-          <a:extLst>
-            <a:ext uri="{909E8E84-426E-40DD-AFC4-6F175D3DCCD1}">
-              <a14:hiddenFill xmlns:a14="http://schemas.microsoft.com/office/drawing/2010/main">
-                <a:solidFill>
-                  <a:srgbClr val="FFFFFF"/>
-                </a:solidFill>
-              </a14:hiddenFill>
-            </a:ext>
-            <a:ext uri="{91240B29-F687-4F45-9708-019B960494DF}">
-              <a14:hiddenLine xmlns:a14="http://schemas.microsoft.com/office/drawing/2010/main" w="9525">
-                <a:solidFill>
-                  <a:srgbClr val="000000"/>
-                </a:solidFill>
-                <a:miter lim="800000"/>
-                <a:headEnd/>
-                <a:tailEnd/>
-              </a14:hiddenLine>
-            </a:ext>
-          </a:extLst>
         </p:spPr>
         <p:txBody>
-          <a:bodyPr>
+          <a:bodyPr wrap="square" rtlCol="0">
             <a:spAutoFit/>
           </a:bodyPr>
-          <a:lstStyle>
-            <a:lvl1pPr marL="342900" indent="-342900">
-              <a:spcBef>
-                <a:spcPct val="20000"/>
-              </a:spcBef>
-              <a:buFont typeface="Wingdings" panose="05000000000000000000" pitchFamily="2" charset="2"/>
-              <a:buChar char="Ø"/>
-              <a:defRPr sz="3200">
-                <a:solidFill>
-                  <a:schemeClr val="tx1"/>
-                </a:solidFill>
-                <a:latin typeface="微软雅黑" panose="020B0503020204020204" pitchFamily="34" charset="-122"/>
-                <a:ea typeface="微软雅黑" panose="020B0503020204020204" pitchFamily="34" charset="-122"/>
-              </a:defRPr>
-            </a:lvl1pPr>
-            <a:lvl2pPr marL="801688" indent="-293688">
-              <a:spcBef>
-                <a:spcPct val="20000"/>
-              </a:spcBef>
-              <a:buFont typeface="Wingdings" panose="05000000000000000000" pitchFamily="2" charset="2"/>
-              <a:buChar char="Ø"/>
-              <a:defRPr sz="2800">
-                <a:solidFill>
-                  <a:schemeClr val="tx1"/>
-                </a:solidFill>
-                <a:latin typeface="微软雅黑" panose="020B0503020204020204" pitchFamily="34" charset="-122"/>
-                <a:ea typeface="微软雅黑" panose="020B0503020204020204" pitchFamily="34" charset="-122"/>
-              </a:defRPr>
-            </a:lvl2pPr>
-            <a:lvl3pPr marL="1143000" indent="-228600">
-              <a:spcBef>
-                <a:spcPct val="20000"/>
-              </a:spcBef>
-              <a:buFont typeface="Wingdings" panose="05000000000000000000" pitchFamily="2" charset="2"/>
-              <a:buChar char="Ø"/>
-              <a:defRPr sz="2400">
-                <a:solidFill>
-                  <a:schemeClr val="tx1"/>
-                </a:solidFill>
-                <a:latin typeface="微软雅黑" panose="020B0503020204020204" pitchFamily="34" charset="-122"/>
-                <a:ea typeface="微软雅黑" panose="020B0503020204020204" pitchFamily="34" charset="-122"/>
-              </a:defRPr>
-            </a:lvl3pPr>
-            <a:lvl4pPr marL="1600200" indent="-228600">
-              <a:spcBef>
-                <a:spcPct val="20000"/>
-              </a:spcBef>
-              <a:buFont typeface="Wingdings" panose="05000000000000000000" pitchFamily="2" charset="2"/>
-              <a:buChar char="Ø"/>
-              <a:defRPr sz="2000">
-                <a:solidFill>
-                  <a:schemeClr val="tx1"/>
-                </a:solidFill>
-                <a:latin typeface="微软雅黑" panose="020B0503020204020204" pitchFamily="34" charset="-122"/>
-                <a:ea typeface="微软雅黑" panose="020B0503020204020204" pitchFamily="34" charset="-122"/>
-              </a:defRPr>
-            </a:lvl4pPr>
-            <a:lvl5pPr marL="2057400" indent="-228600">
-              <a:spcBef>
-                <a:spcPct val="20000"/>
-              </a:spcBef>
-              <a:buFont typeface="Wingdings" panose="05000000000000000000" pitchFamily="2" charset="2"/>
-              <a:buChar char="Ø"/>
-              <a:defRPr sz="2000">
-                <a:solidFill>
-                  <a:schemeClr val="tx1"/>
-                </a:solidFill>
-                <a:latin typeface="微软雅黑" panose="020B0503020204020204" pitchFamily="34" charset="-122"/>
-                <a:ea typeface="微软雅黑" panose="020B0503020204020204" pitchFamily="34" charset="-122"/>
-              </a:defRPr>
-            </a:lvl5pPr>
-            <a:lvl6pPr marL="2514600" indent="-228600" eaLnBrk="0" fontAlgn="base" hangingPunct="0">
-              <a:spcBef>
-                <a:spcPct val="20000"/>
-              </a:spcBef>
-              <a:spcAft>
-                <a:spcPct val="0"/>
-              </a:spcAft>
-              <a:buFont typeface="Wingdings" panose="05000000000000000000" pitchFamily="2" charset="2"/>
-              <a:buChar char="Ø"/>
-              <a:defRPr sz="2000">
-                <a:solidFill>
-                  <a:schemeClr val="tx1"/>
-                </a:solidFill>
-                <a:latin typeface="微软雅黑" panose="020B0503020204020204" pitchFamily="34" charset="-122"/>
-                <a:ea typeface="微软雅黑" panose="020B0503020204020204" pitchFamily="34" charset="-122"/>
-              </a:defRPr>
-            </a:lvl6pPr>
-            <a:lvl7pPr marL="2971800" indent="-228600" eaLnBrk="0" fontAlgn="base" hangingPunct="0">
-              <a:spcBef>
-                <a:spcPct val="20000"/>
-              </a:spcBef>
-              <a:spcAft>
-                <a:spcPct val="0"/>
-              </a:spcAft>
-              <a:buFont typeface="Wingdings" panose="05000000000000000000" pitchFamily="2" charset="2"/>
-              <a:buChar char="Ø"/>
-              <a:defRPr sz="2000">
-                <a:solidFill>
-                  <a:schemeClr val="tx1"/>
-                </a:solidFill>
-                <a:latin typeface="微软雅黑" panose="020B0503020204020204" pitchFamily="34" charset="-122"/>
-                <a:ea typeface="微软雅黑" panose="020B0503020204020204" pitchFamily="34" charset="-122"/>
-              </a:defRPr>
-            </a:lvl7pPr>
-            <a:lvl8pPr marL="3429000" indent="-228600" eaLnBrk="0" fontAlgn="base" hangingPunct="0">
-              <a:spcBef>
-                <a:spcPct val="20000"/>
-              </a:spcBef>
-              <a:spcAft>
-                <a:spcPct val="0"/>
-              </a:spcAft>
-              <a:buFont typeface="Wingdings" panose="05000000000000000000" pitchFamily="2" charset="2"/>
-              <a:buChar char="Ø"/>
-              <a:defRPr sz="2000">
-                <a:solidFill>
-                  <a:schemeClr val="tx1"/>
-                </a:solidFill>
-                <a:latin typeface="微软雅黑" panose="020B0503020204020204" pitchFamily="34" charset="-122"/>
-                <a:ea typeface="微软雅黑" panose="020B0503020204020204" pitchFamily="34" charset="-122"/>
-              </a:defRPr>
-            </a:lvl8pPr>
-            <a:lvl9pPr marL="3886200" indent="-228600" eaLnBrk="0" fontAlgn="base" hangingPunct="0">
-              <a:spcBef>
-                <a:spcPct val="20000"/>
-              </a:spcBef>
-              <a:spcAft>
-                <a:spcPct val="0"/>
-              </a:spcAft>
-              <a:buFont typeface="Wingdings" panose="05000000000000000000" pitchFamily="2" charset="2"/>
-              <a:buChar char="Ø"/>
-              <a:defRPr sz="2000">
-                <a:solidFill>
-                  <a:schemeClr val="tx1"/>
-                </a:solidFill>
-                <a:latin typeface="微软雅黑" panose="020B0503020204020204" pitchFamily="34" charset="-122"/>
-                <a:ea typeface="微软雅黑" panose="020B0503020204020204" pitchFamily="34" charset="-122"/>
-              </a:defRPr>
-            </a:lvl9pPr>
-          </a:lstStyle>
-          <a:p>
-            <a:pPr lvl="1" eaLnBrk="1" hangingPunct="1">
-              <a:lnSpc>
-                <a:spcPct val="150000"/>
-              </a:lnSpc>
-              <a:spcBef>
-                <a:spcPts val="500"/>
-              </a:spcBef>
-              <a:buFontTx/>
-              <a:buAutoNum type="arabicPeriod"/>
-            </a:pPr>
-            <a:r>
-              <a:rPr lang="zh-CN" altLang="zh-CN" sz="2200" dirty="0">
-                <a:solidFill>
-                  <a:srgbClr val="404040"/>
-                </a:solidFill>
-                <a:sym typeface="微软雅黑" panose="020B0503020204020204" pitchFamily="34" charset="-122"/>
+          <a:lstStyle/>
+          <a:p>
+            <a:r>
+              <a:rPr lang="zh-CN" altLang="en-US" dirty="0" smtClean="0">
+                <a:latin typeface="微软雅黑" panose="020B0503020204020204" pitchFamily="34" charset="-122"/>
+                <a:ea typeface="微软雅黑" panose="020B0503020204020204" pitchFamily="34" charset="-122"/>
               </a:rPr>
-              <a:t>配置工程</a:t>
-            </a:r>
-          </a:p>
-          <a:p>
-            <a:pPr lvl="1" eaLnBrk="1" hangingPunct="1">
-              <a:lnSpc>
-                <a:spcPct val="150000"/>
-              </a:lnSpc>
-              <a:spcBef>
-                <a:spcPts val="500"/>
-              </a:spcBef>
-              <a:buFontTx/>
-              <a:buAutoNum type="arabicPeriod"/>
-            </a:pPr>
-            <a:r>
-              <a:rPr lang="zh-CN" altLang="zh-CN" sz="2200" dirty="0">
-                <a:solidFill>
-                  <a:srgbClr val="404040"/>
-                </a:solidFill>
-                <a:sym typeface="微软雅黑" panose="020B0503020204020204" pitchFamily="34" charset="-122"/>
+              <a:t>微软商城会更改你的</a:t>
+            </a:r>
+            <a:r>
+              <a:rPr lang="en-US" altLang="zh-CN" dirty="0" err="1" smtClean="0">
+                <a:latin typeface="微软雅黑" panose="020B0503020204020204" pitchFamily="34" charset="-122"/>
+                <a:ea typeface="微软雅黑" panose="020B0503020204020204" pitchFamily="34" charset="-122"/>
               </a:rPr>
-              <a:t>显示地图</a:t>
-            </a:r>
-          </a:p>
-          <a:p>
-            <a:pPr lvl="1" eaLnBrk="1" hangingPunct="1">
-              <a:lnSpc>
-                <a:spcPct val="150000"/>
-              </a:lnSpc>
-              <a:spcBef>
-                <a:spcPts val="500"/>
-              </a:spcBef>
-              <a:buFontTx/>
-              <a:buAutoNum type="arabicPeriod"/>
-            </a:pPr>
-            <a:r>
-              <a:rPr lang="zh-CN" altLang="zh-CN" sz="2200" dirty="0">
-                <a:solidFill>
-                  <a:srgbClr val="404040"/>
-                </a:solidFill>
-                <a:sym typeface="微软雅黑" panose="020B0503020204020204" pitchFamily="34" charset="-122"/>
+              <a:t>AppId</a:t>
+            </a:r>
+            <a:endParaRPr lang="zh-CN" altLang="en-US" dirty="0">
+              <a:latin typeface="微软雅黑" panose="020B0503020204020204" pitchFamily="34" charset="-122"/>
+              <a:ea typeface="微软雅黑" panose="020B0503020204020204" pitchFamily="34" charset="-122"/>
+            </a:endParaRPr>
+          </a:p>
+        </p:txBody>
+      </p:sp>
+      <p:sp>
+        <p:nvSpPr>
+          <p:cNvPr id="7" name="文本框 6"/>
+          <p:cNvSpPr txBox="1"/>
+          <p:nvPr/>
+        </p:nvSpPr>
+        <p:spPr>
+          <a:xfrm>
+            <a:off x="5436096" y="4005064"/>
+            <a:ext cx="3240360" cy="923330"/>
+          </a:xfrm>
+          <a:prstGeom prst="rect">
+            <a:avLst/>
+          </a:prstGeom>
+          <a:noFill/>
+        </p:spPr>
+        <p:txBody>
+          <a:bodyPr wrap="square" rtlCol="0">
+            <a:spAutoFit/>
+          </a:bodyPr>
+          <a:lstStyle/>
+          <a:p>
+            <a:r>
+              <a:rPr lang="zh-CN" altLang="en-US" dirty="0" smtClean="0">
+                <a:latin typeface="微软雅黑" panose="020B0503020204020204" pitchFamily="34" charset="-122"/>
+                <a:ea typeface="微软雅黑" panose="020B0503020204020204" pitchFamily="34" charset="-122"/>
               </a:rPr>
-              <a:t>用户</a:t>
-            </a:r>
-            <a:r>
-              <a:rPr lang="zh-CN" altLang="zh-CN" sz="2200" dirty="0" smtClean="0">
-                <a:solidFill>
-                  <a:srgbClr val="404040"/>
-                </a:solidFill>
-                <a:sym typeface="微软雅黑" panose="020B0503020204020204" pitchFamily="34" charset="-122"/>
-              </a:rPr>
-              <a:t>定位</a:t>
-            </a:r>
-            <a:endParaRPr lang="zh-CN" altLang="zh-CN" sz="2200" dirty="0">
-              <a:solidFill>
-                <a:srgbClr val="404040"/>
-              </a:solidFill>
-              <a:sym typeface="微软雅黑" panose="020B0503020204020204" pitchFamily="34" charset="-122"/>
+              <a:t>因此你可能需要在这里替换一下，否则会出现鉴权不成功的情况，影响使用</a:t>
+            </a:r>
+            <a:endParaRPr lang="zh-CN" altLang="en-US" dirty="0">
+              <a:latin typeface="微软雅黑" panose="020B0503020204020204" pitchFamily="34" charset="-122"/>
+              <a:ea typeface="微软雅黑" panose="020B0503020204020204" pitchFamily="34" charset="-122"/>
             </a:endParaRPr>
           </a:p>
         </p:txBody>
       </p:sp>
     </p:spTree>
+    <p:extLst>
+      <p:ext uri="{BB962C8B-B14F-4D97-AF65-F5344CB8AC3E}">
+        <p14:creationId xmlns:p14="http://schemas.microsoft.com/office/powerpoint/2010/main" val="2643193893"/>
+      </p:ext>
+    </p:extLst>
   </p:cSld>
   <p:clrMapOvr>
     <a:masterClrMapping/>
   </p:clrMapOvr>
-  <p:timing>
-    <p:tnLst>
-      <p:par>
-        <p:cTn id="1" dur="indefinite" restart="never" nodeType="tmRoot"/>
-      </p:par>
-    </p:tnLst>
-  </p:timing>
 </p:sld>
 </file>
 
